--- a/File/Resume_v3(ENG).pptx
+++ b/File/Resume_v3(ENG).pptx
@@ -104,6 +104,11 @@
       </a:defRPr>
     </a:lvl9pPr>
   </p:defaultTextStyle>
+  <p:extLst>
+    <p:ext uri="{EFAFB233-063F-42B5-8137-9DF3F51BA10A}">
+      <p15:sldGuideLst xmlns:p15="http://schemas.microsoft.com/office/powerpoint/2012/main"/>
+    </p:ext>
+  </p:extLst>
 </p:presentation>
 </file>
 
@@ -2966,49 +2971,16 @@
           <a:chExt cx="0" cy="0"/>
         </a:xfrm>
       </p:grpSpPr>
-      <p:pic>
-        <p:nvPicPr>
-          <p:cNvPr id="4" name="圖片 3" descr="C:\Users\chris\Downloads\頭貼 (1).png"/>
-          <p:cNvPicPr/>
-          <p:nvPr/>
-        </p:nvPicPr>
-        <p:blipFill>
-          <a:blip r:embed="rId2">
-            <a:extLst>
-              <a:ext uri="{28A0092B-C50C-407E-A947-70E740481C1C}">
-                <a14:useLocalDpi xmlns:a14="http://schemas.microsoft.com/office/drawing/2010/main" val="0"/>
-              </a:ext>
-            </a:extLst>
-          </a:blip>
-          <a:srcRect/>
-          <a:stretch>
-            <a:fillRect/>
-          </a:stretch>
-        </p:blipFill>
-        <p:spPr bwMode="auto">
-          <a:xfrm>
-            <a:off x="541020" y="125412"/>
-            <a:ext cx="804545" cy="1216025"/>
-          </a:xfrm>
-          <a:prstGeom prst="rect">
-            <a:avLst/>
-          </a:prstGeom>
-          <a:noFill/>
-          <a:ln>
-            <a:noFill/>
-          </a:ln>
-        </p:spPr>
-      </p:pic>
-      <p:sp>
-        <p:nvSpPr>
-          <p:cNvPr id="5" name="矩形 4"/>
+      <p:sp>
+        <p:nvSpPr>
+          <p:cNvPr id="6" name="矩形 5"/>
           <p:cNvSpPr/>
           <p:nvPr/>
         </p:nvSpPr>
         <p:spPr>
           <a:xfrm>
-            <a:off x="0" y="114300"/>
-            <a:ext cx="382270" cy="1238250"/>
+            <a:off x="-1" y="298"/>
+            <a:ext cx="6858001" cy="960086"/>
           </a:xfrm>
           <a:prstGeom prst="rect">
             <a:avLst/>
@@ -3033,45 +3005,13 @@
       </p:sp>
       <p:sp>
         <p:nvSpPr>
-          <p:cNvPr id="6" name="矩形 5"/>
-          <p:cNvSpPr/>
-          <p:nvPr/>
-        </p:nvSpPr>
-        <p:spPr>
-          <a:xfrm>
-            <a:off x="1504315" y="103187"/>
-            <a:ext cx="5353685" cy="1238250"/>
-          </a:xfrm>
-          <a:prstGeom prst="rect">
-            <a:avLst/>
-          </a:prstGeom>
-          <a:solidFill>
-            <a:srgbClr val="8DAFB1"/>
-          </a:solidFill>
-          <a:ln w="12700" cap="flat" cmpd="sng" algn="ctr">
-            <a:noFill/>
-            <a:prstDash val="solid"/>
-            <a:miter lim="800000"/>
-          </a:ln>
-          <a:effectLst/>
-        </p:spPr>
-        <p:txBody>
-          <a:bodyPr rtlCol="0" anchor="ctr"/>
-          <a:lstStyle/>
-          <a:p>
-            <a:endParaRPr lang="zh-TW" altLang="en-US"/>
-          </a:p>
-        </p:txBody>
-      </p:sp>
-      <p:sp>
-        <p:nvSpPr>
           <p:cNvPr id="7" name="矩形 6"/>
           <p:cNvSpPr/>
           <p:nvPr/>
         </p:nvSpPr>
         <p:spPr>
           <a:xfrm rot="19593859">
-            <a:off x="5876558" y="-241564"/>
+            <a:off x="6078788" y="-271742"/>
             <a:ext cx="145458" cy="1814245"/>
           </a:xfrm>
           <a:prstGeom prst="rect">
@@ -3103,8 +3043,8 @@
         </p:nvSpPr>
         <p:spPr>
           <a:xfrm rot="19593859">
-            <a:off x="6274898" y="-241563"/>
-            <a:ext cx="145458" cy="1814245"/>
+            <a:off x="6367000" y="-249426"/>
+            <a:ext cx="158785" cy="1527232"/>
           </a:xfrm>
           <a:prstGeom prst="rect">
             <a:avLst/>
@@ -3135,8 +3075,8 @@
         </p:nvSpPr>
         <p:spPr>
           <a:xfrm>
-            <a:off x="1603834" y="182880"/>
-            <a:ext cx="2190023" cy="369332"/>
+            <a:off x="206785" y="49890"/>
+            <a:ext cx="2417650" cy="369332"/>
           </a:xfrm>
           <a:prstGeom prst="rect">
             <a:avLst/>
@@ -3150,7 +3090,7 @@
           <a:lstStyle/>
           <a:p>
             <a:r>
-              <a:rPr lang="en-US" altLang="zh-TW" dirty="0" smtClean="0">
+              <a:rPr lang="en-US" altLang="zh-TW" b="1" dirty="0" smtClean="0">
                 <a:solidFill>
                   <a:schemeClr val="bg1"/>
                 </a:solidFill>
@@ -3159,7 +3099,7 @@
               </a:rPr>
               <a:t>WEN-YUAN CHEN</a:t>
             </a:r>
-            <a:endParaRPr lang="zh-TW" altLang="en-US" dirty="0">
+            <a:endParaRPr lang="zh-TW" altLang="en-US" b="1" dirty="0">
               <a:solidFill>
                 <a:schemeClr val="bg1"/>
               </a:solidFill>
@@ -3179,7 +3119,7 @@
         </p:nvSpPr>
         <p:spPr bwMode="auto">
           <a:xfrm>
-            <a:off x="1729925" y="600074"/>
+            <a:off x="307752" y="472644"/>
             <a:ext cx="209550" cy="133350"/>
           </a:xfrm>
           <a:custGeom>
@@ -3455,7 +3395,7 @@
         </p:nvSpPr>
         <p:spPr>
           <a:xfrm>
-            <a:off x="1937901" y="539791"/>
+            <a:off x="515728" y="412361"/>
             <a:ext cx="830677" cy="253916"/>
           </a:xfrm>
           <a:prstGeom prst="rect">
@@ -3470,13 +3410,13 @@
           <a:lstStyle/>
           <a:p>
             <a:r>
-              <a:rPr lang="en-US" altLang="zh-TW" sz="1050" dirty="0" smtClean="0">
+              <a:rPr lang="en-US" altLang="zh-TW" sz="1000" dirty="0" smtClean="0">
                 <a:latin typeface="Bahnschrift" panose="020B0502040204020203" pitchFamily="34" charset="0"/>
                 <a:cs typeface="Times New Roman" panose="02020603050405020304" pitchFamily="18" charset="0"/>
               </a:rPr>
               <a:t>1996/08/06</a:t>
             </a:r>
-            <a:endParaRPr lang="zh-TW" altLang="en-US" sz="1050" dirty="0">
+            <a:endParaRPr lang="zh-TW" altLang="en-US" sz="1000" dirty="0">
               <a:latin typeface="Bahnschrift" panose="020B0502040204020203" pitchFamily="34" charset="0"/>
               <a:cs typeface="Times New Roman" panose="02020603050405020304" pitchFamily="18" charset="0"/>
             </a:endParaRPr>
@@ -3493,7 +3433,7 @@
         </p:nvSpPr>
         <p:spPr bwMode="auto">
           <a:xfrm flipH="1">
-            <a:off x="1727716" y="871003"/>
+            <a:off x="1601279" y="500456"/>
             <a:ext cx="210185" cy="116840"/>
           </a:xfrm>
           <a:custGeom>
@@ -3777,8 +3717,8 @@
         </p:nvSpPr>
         <p:spPr>
           <a:xfrm>
-            <a:off x="1937901" y="782165"/>
-            <a:ext cx="2002471" cy="253916"/>
+            <a:off x="1809806" y="418203"/>
+            <a:ext cx="1917513" cy="246221"/>
           </a:xfrm>
           <a:prstGeom prst="rect">
             <a:avLst/>
@@ -3792,13 +3732,13 @@
           <a:lstStyle/>
           <a:p>
             <a:r>
-              <a:rPr lang="en-US" altLang="zh-TW" sz="1050" dirty="0" smtClean="0">
+              <a:rPr lang="en-US" altLang="zh-TW" sz="1000" dirty="0" smtClean="0">
                 <a:latin typeface="Bahnschrift" panose="020B0502040204020203" pitchFamily="34" charset="0"/>
                 <a:cs typeface="Times New Roman" panose="02020603050405020304" pitchFamily="18" charset="0"/>
               </a:rPr>
               <a:t>chenwy0806@gap.nthu.edu.tw</a:t>
             </a:r>
-            <a:endParaRPr lang="zh-TW" altLang="en-US" sz="1050" dirty="0">
+            <a:endParaRPr lang="zh-TW" altLang="en-US" sz="1000" dirty="0">
               <a:latin typeface="Bahnschrift" panose="020B0502040204020203" pitchFamily="34" charset="0"/>
               <a:cs typeface="Times New Roman" panose="02020603050405020304" pitchFamily="18" charset="0"/>
             </a:endParaRPr>
@@ -3815,7 +3755,7 @@
         </p:nvSpPr>
         <p:spPr bwMode="auto">
           <a:xfrm>
-            <a:off x="1723271" y="1111297"/>
+            <a:off x="1584230" y="722911"/>
             <a:ext cx="214630" cy="160655"/>
           </a:xfrm>
           <a:custGeom>
@@ -4001,8 +3941,8 @@
         </p:nvSpPr>
         <p:spPr>
           <a:xfrm>
-            <a:off x="1930687" y="1064666"/>
-            <a:ext cx="1178528" cy="253916"/>
+            <a:off x="1798928" y="676281"/>
+            <a:ext cx="1132041" cy="246221"/>
           </a:xfrm>
           <a:prstGeom prst="rect">
             <a:avLst/>
@@ -4016,13 +3956,13 @@
           <a:lstStyle/>
           <a:p>
             <a:r>
-              <a:rPr lang="en-US" altLang="zh-TW" sz="1050" dirty="0" smtClean="0">
+              <a:rPr lang="en-US" altLang="zh-TW" sz="1000" dirty="0" smtClean="0">
                 <a:latin typeface="Bahnschrift" panose="020B0502040204020203" pitchFamily="34" charset="0"/>
                 <a:cs typeface="Times New Roman" panose="02020603050405020304" pitchFamily="18" charset="0"/>
               </a:rPr>
               <a:t>(+886)976023510</a:t>
             </a:r>
-            <a:endParaRPr lang="zh-TW" altLang="en-US" sz="1050" dirty="0">
+            <a:endParaRPr lang="zh-TW" altLang="en-US" sz="1000" dirty="0">
               <a:latin typeface="Bahnschrift" panose="020B0502040204020203" pitchFamily="34" charset="0"/>
               <a:cs typeface="Times New Roman" panose="02020603050405020304" pitchFamily="18" charset="0"/>
             </a:endParaRPr>
@@ -4033,6 +3973,96 @@
         <p:nvPicPr>
           <p:cNvPr id="20" name="Picture 2" descr="「github icon」的圖片搜尋結果"/>
           <p:cNvPicPr/>
+          <p:nvPr/>
+        </p:nvPicPr>
+        <p:blipFill>
+          <a:blip r:embed="rId2" cstate="print">
+            <a:extLst>
+              <a:ext uri="{28A0092B-C50C-407E-A947-70E740481C1C}">
+                <a14:useLocalDpi xmlns:a14="http://schemas.microsoft.com/office/drawing/2010/main" val="0"/>
+              </a:ext>
+            </a:extLst>
+          </a:blip>
+          <a:srcRect/>
+          <a:stretch>
+            <a:fillRect/>
+          </a:stretch>
+        </p:blipFill>
+        <p:spPr bwMode="auto">
+          <a:xfrm>
+            <a:off x="3965846" y="422555"/>
+            <a:ext cx="226060" cy="226695"/>
+          </a:xfrm>
+          <a:prstGeom prst="rect">
+            <a:avLst/>
+          </a:prstGeom>
+          <a:noFill/>
+          <a:extLst/>
+        </p:spPr>
+      </p:pic>
+      <p:sp>
+        <p:nvSpPr>
+          <p:cNvPr id="21" name="文字方塊 20"/>
+          <p:cNvSpPr txBox="1"/>
+          <p:nvPr/>
+        </p:nvSpPr>
+        <p:spPr>
+          <a:xfrm>
+            <a:off x="4181640" y="408685"/>
+            <a:ext cx="1516762" cy="246221"/>
+          </a:xfrm>
+          <a:prstGeom prst="rect">
+            <a:avLst/>
+          </a:prstGeom>
+          <a:noFill/>
+        </p:spPr>
+        <p:txBody>
+          <a:bodyPr wrap="none" rtlCol="0">
+            <a:spAutoFit/>
+          </a:bodyPr>
+          <a:lstStyle/>
+          <a:p>
+            <a:r>
+              <a:rPr lang="en-US" altLang="zh-TW" sz="1000" dirty="0">
+                <a:latin typeface="Bahnschrift" panose="020B0502040204020203" pitchFamily="34" charset="0"/>
+                <a:cs typeface="Times New Roman" panose="02020603050405020304" pitchFamily="18" charset="0"/>
+              </a:rPr>
+              <a:t>g</a:t>
+            </a:r>
+            <a:r>
+              <a:rPr lang="en-US" altLang="zh-TW" sz="1000" dirty="0" smtClean="0">
+                <a:latin typeface="Bahnschrift" panose="020B0502040204020203" pitchFamily="34" charset="0"/>
+                <a:cs typeface="Times New Roman" panose="02020603050405020304" pitchFamily="18" charset="0"/>
+              </a:rPr>
+              <a:t>ithub.com/chris-</a:t>
+            </a:r>
+            <a:r>
+              <a:rPr lang="en-US" altLang="zh-TW" sz="1000" dirty="0" err="1" smtClean="0">
+                <a:latin typeface="Bahnschrift" panose="020B0502040204020203" pitchFamily="34" charset="0"/>
+                <a:cs typeface="Times New Roman" panose="02020603050405020304" pitchFamily="18" charset="0"/>
+              </a:rPr>
+              <a:t>nthu</a:t>
+            </a:r>
+            <a:r>
+              <a:rPr lang="en-US" altLang="zh-TW" sz="1000" dirty="0" smtClean="0">
+                <a:latin typeface="Bahnschrift" panose="020B0502040204020203" pitchFamily="34" charset="0"/>
+                <a:cs typeface="Times New Roman" panose="02020603050405020304" pitchFamily="18" charset="0"/>
+              </a:rPr>
+              <a:t>/</a:t>
+            </a:r>
+            <a:endParaRPr lang="zh-TW" altLang="en-US" sz="1000" dirty="0">
+              <a:latin typeface="Bahnschrift" panose="020B0502040204020203" pitchFamily="34" charset="0"/>
+              <a:cs typeface="Times New Roman" panose="02020603050405020304" pitchFamily="18" charset="0"/>
+            </a:endParaRPr>
+          </a:p>
+        </p:txBody>
+      </p:sp>
+      <p:pic>
+        <p:nvPicPr>
+          <p:cNvPr id="1028" name="Picture 4" descr="「website icon」的圖片搜尋結果"/>
+          <p:cNvPicPr>
+            <a:picLocks noChangeAspect="1" noChangeArrowheads="1"/>
+          </p:cNvPicPr>
           <p:nvPr/>
         </p:nvPicPr>
         <p:blipFill>
@@ -4050,97 +4080,7 @@
         </p:blipFill>
         <p:spPr bwMode="auto">
           <a:xfrm>
-            <a:off x="4040664" y="663755"/>
-            <a:ext cx="226060" cy="226695"/>
-          </a:xfrm>
-          <a:prstGeom prst="rect">
-            <a:avLst/>
-          </a:prstGeom>
-          <a:noFill/>
-          <a:extLst/>
-        </p:spPr>
-      </p:pic>
-      <p:sp>
-        <p:nvSpPr>
-          <p:cNvPr id="21" name="文字方塊 20"/>
-          <p:cNvSpPr txBox="1"/>
-          <p:nvPr/>
-        </p:nvSpPr>
-        <p:spPr>
-          <a:xfrm>
-            <a:off x="4247729" y="638718"/>
-            <a:ext cx="1585690" cy="253916"/>
-          </a:xfrm>
-          <a:prstGeom prst="rect">
-            <a:avLst/>
-          </a:prstGeom>
-          <a:noFill/>
-        </p:spPr>
-        <p:txBody>
-          <a:bodyPr wrap="none" rtlCol="0">
-            <a:spAutoFit/>
-          </a:bodyPr>
-          <a:lstStyle/>
-          <a:p>
-            <a:r>
-              <a:rPr lang="en-US" altLang="zh-TW" sz="1050" dirty="0">
-                <a:latin typeface="Bahnschrift" panose="020B0502040204020203" pitchFamily="34" charset="0"/>
-                <a:cs typeface="Times New Roman" panose="02020603050405020304" pitchFamily="18" charset="0"/>
-              </a:rPr>
-              <a:t>g</a:t>
-            </a:r>
-            <a:r>
-              <a:rPr lang="en-US" altLang="zh-TW" sz="1050" dirty="0" smtClean="0">
-                <a:latin typeface="Bahnschrift" panose="020B0502040204020203" pitchFamily="34" charset="0"/>
-                <a:cs typeface="Times New Roman" panose="02020603050405020304" pitchFamily="18" charset="0"/>
-              </a:rPr>
-              <a:t>ithub.com/chris-</a:t>
-            </a:r>
-            <a:r>
-              <a:rPr lang="en-US" altLang="zh-TW" sz="1050" dirty="0" err="1" smtClean="0">
-                <a:latin typeface="Bahnschrift" panose="020B0502040204020203" pitchFamily="34" charset="0"/>
-                <a:cs typeface="Times New Roman" panose="02020603050405020304" pitchFamily="18" charset="0"/>
-              </a:rPr>
-              <a:t>nthu</a:t>
-            </a:r>
-            <a:r>
-              <a:rPr lang="en-US" altLang="zh-TW" sz="1050" dirty="0" smtClean="0">
-                <a:latin typeface="Bahnschrift" panose="020B0502040204020203" pitchFamily="34" charset="0"/>
-                <a:cs typeface="Times New Roman" panose="02020603050405020304" pitchFamily="18" charset="0"/>
-              </a:rPr>
-              <a:t>/</a:t>
-            </a:r>
-            <a:endParaRPr lang="zh-TW" altLang="en-US" sz="1050" dirty="0">
-              <a:latin typeface="Bahnschrift" panose="020B0502040204020203" pitchFamily="34" charset="0"/>
-              <a:cs typeface="Times New Roman" panose="02020603050405020304" pitchFamily="18" charset="0"/>
-            </a:endParaRPr>
-          </a:p>
-        </p:txBody>
-      </p:sp>
-      <p:pic>
-        <p:nvPicPr>
-          <p:cNvPr id="1028" name="Picture 4" descr="「website icon」的圖片搜尋結果"/>
-          <p:cNvPicPr>
-            <a:picLocks noChangeAspect="1" noChangeArrowheads="1"/>
-          </p:cNvPicPr>
-          <p:nvPr/>
-        </p:nvPicPr>
-        <p:blipFill>
-          <a:blip r:embed="rId4" cstate="print">
-            <a:extLst>
-              <a:ext uri="{28A0092B-C50C-407E-A947-70E740481C1C}">
-                <a14:useLocalDpi xmlns:a14="http://schemas.microsoft.com/office/drawing/2010/main" val="0"/>
-              </a:ext>
-            </a:extLst>
-          </a:blip>
-          <a:srcRect/>
-          <a:stretch>
-            <a:fillRect/>
-          </a:stretch>
-        </p:blipFill>
-        <p:spPr bwMode="auto">
-          <a:xfrm>
-            <a:off x="4041276" y="931145"/>
+            <a:off x="3965846" y="668776"/>
             <a:ext cx="226060" cy="226060"/>
           </a:xfrm>
           <a:prstGeom prst="rect">
@@ -4166,8 +4106,8 @@
         </p:nvSpPr>
         <p:spPr>
           <a:xfrm>
-            <a:off x="4251689" y="903289"/>
-            <a:ext cx="1410964" cy="253916"/>
+            <a:off x="4183041" y="648341"/>
+            <a:ext cx="1353256" cy="246221"/>
           </a:xfrm>
           <a:prstGeom prst="rect">
             <a:avLst/>
@@ -4181,13 +4121,13 @@
           <a:lstStyle/>
           <a:p>
             <a:r>
-              <a:rPr lang="en-US" altLang="zh-TW" sz="1050" dirty="0" smtClean="0">
+              <a:rPr lang="en-US" altLang="zh-TW" sz="1000" dirty="0" smtClean="0">
                 <a:latin typeface="Bahnschrift" panose="020B0502040204020203" pitchFamily="34" charset="0"/>
                 <a:cs typeface="Times New Roman" panose="02020603050405020304" pitchFamily="18" charset="0"/>
               </a:rPr>
               <a:t>wenyuangg.github.io</a:t>
             </a:r>
-            <a:endParaRPr lang="zh-TW" altLang="en-US" sz="1050" dirty="0">
+            <a:endParaRPr lang="zh-TW" altLang="en-US" sz="1000" dirty="0">
               <a:latin typeface="Bahnschrift" panose="020B0502040204020203" pitchFamily="34" charset="0"/>
               <a:cs typeface="Times New Roman" panose="02020603050405020304" pitchFamily="18" charset="0"/>
             </a:endParaRPr>
@@ -4202,8 +4142,8 @@
         </p:nvSpPr>
         <p:spPr>
           <a:xfrm>
-            <a:off x="129763" y="1571527"/>
-            <a:ext cx="708437" cy="272254"/>
+            <a:off x="307752" y="1158445"/>
+            <a:ext cx="797450" cy="284693"/>
           </a:xfrm>
           <a:prstGeom prst="rect">
             <a:avLst/>
@@ -4230,7 +4170,7 @@
               </a:spcAft>
             </a:pPr>
             <a:r>
-              <a:rPr lang="en-US" altLang="zh-TW" sz="1200" dirty="0" smtClean="0">
+              <a:rPr lang="en-US" altLang="zh-TW" sz="1100" b="1" dirty="0" smtClean="0">
                 <a:solidFill>
                   <a:schemeClr val="bg1"/>
                 </a:solidFill>
@@ -4240,7 +4180,7 @@
               </a:rPr>
               <a:t>ABOUT</a:t>
             </a:r>
-            <a:endParaRPr lang="zh-TW" sz="1200" dirty="0">
+            <a:endParaRPr lang="zh-TW" sz="1100" b="1" dirty="0">
               <a:solidFill>
                 <a:schemeClr val="bg1"/>
               </a:solidFill>
@@ -4260,8 +4200,8 @@
         </p:nvSpPr>
         <p:spPr>
           <a:xfrm>
-            <a:off x="129763" y="2654472"/>
-            <a:ext cx="1127536" cy="272254"/>
+            <a:off x="293674" y="2052634"/>
+            <a:ext cx="1217930" cy="269241"/>
           </a:xfrm>
           <a:prstGeom prst="rect">
             <a:avLst/>
@@ -4288,7 +4228,7 @@
               </a:spcAft>
             </a:pPr>
             <a:r>
-              <a:rPr lang="en-US" altLang="zh-TW" sz="1200" dirty="0" smtClean="0">
+              <a:rPr lang="en-US" altLang="zh-TW" sz="1100" b="1" dirty="0" smtClean="0">
                 <a:solidFill>
                   <a:schemeClr val="bg1"/>
                 </a:solidFill>
@@ -4299,7 +4239,7 @@
               </a:rPr>
               <a:t>EDUCATION</a:t>
             </a:r>
-            <a:endParaRPr lang="zh-TW" sz="1200" dirty="0">
+            <a:endParaRPr lang="zh-TW" sz="1100" b="1" dirty="0">
               <a:solidFill>
                 <a:schemeClr val="bg1"/>
               </a:solidFill>
@@ -4319,8 +4259,8 @@
         </p:nvSpPr>
         <p:spPr>
           <a:xfrm>
-            <a:off x="129763" y="6195389"/>
-            <a:ext cx="772976" cy="272254"/>
+            <a:off x="293674" y="3306748"/>
+            <a:ext cx="2240280" cy="269241"/>
           </a:xfrm>
           <a:prstGeom prst="rect">
             <a:avLst/>
@@ -4347,7 +4287,7 @@
               </a:spcAft>
             </a:pPr>
             <a:r>
-              <a:rPr lang="en-US" altLang="zh-TW" sz="1200" dirty="0" smtClean="0">
+              <a:rPr lang="en-US" altLang="zh-TW" sz="1100" b="1" dirty="0" smtClean="0">
                 <a:solidFill>
                   <a:schemeClr val="bg1"/>
                 </a:solidFill>
@@ -4355,9 +4295,9 @@
                 <a:ea typeface="SimSun" panose="02010600030101010101" pitchFamily="2" charset="-122"/>
                 <a:cs typeface="SimSun" panose="02010600030101010101" pitchFamily="2" charset="-122"/>
               </a:rPr>
-              <a:t>AWARD</a:t>
-            </a:r>
-            <a:endParaRPr lang="zh-TW" sz="1200" dirty="0">
+              <a:t>ACADEMIC EXPERIENCE</a:t>
+            </a:r>
+            <a:endParaRPr lang="zh-TW" sz="1100" b="1" dirty="0">
               <a:solidFill>
                 <a:schemeClr val="bg1"/>
               </a:solidFill>
@@ -4377,8 +4317,8 @@
         </p:nvSpPr>
         <p:spPr>
           <a:xfrm>
-            <a:off x="129763" y="6710172"/>
-            <a:ext cx="1372416" cy="272254"/>
+            <a:off x="287211" y="4421834"/>
+            <a:ext cx="1989808" cy="272254"/>
           </a:xfrm>
           <a:prstGeom prst="rect">
             <a:avLst/>
@@ -4405,7 +4345,7 @@
               </a:spcAft>
             </a:pPr>
             <a:r>
-              <a:rPr lang="en-US" altLang="zh-TW" sz="1200" dirty="0" smtClean="0">
+              <a:rPr lang="en-US" altLang="zh-TW" sz="1100" b="1" dirty="0" smtClean="0">
                 <a:solidFill>
                   <a:schemeClr val="bg1"/>
                 </a:solidFill>
@@ -4414,9 +4354,9 @@
                 <a:ea typeface="SimSun" panose="02010600030101010101" pitchFamily="2" charset="-122"/>
                 <a:cs typeface="SimSun" panose="02010600030101010101" pitchFamily="2" charset="-122"/>
               </a:rPr>
-              <a:t>CONFERENCE</a:t>
-            </a:r>
-            <a:endParaRPr lang="zh-TW" sz="1200" dirty="0">
+              <a:t>CONFERENCE PAPER</a:t>
+            </a:r>
+            <a:endParaRPr lang="zh-TW" sz="1100" b="1" dirty="0">
               <a:solidFill>
                 <a:schemeClr val="bg1"/>
               </a:solidFill>
@@ -4436,8 +4376,8 @@
         </p:nvSpPr>
         <p:spPr>
           <a:xfrm>
-            <a:off x="129763" y="7253530"/>
-            <a:ext cx="772976" cy="272254"/>
+            <a:off x="293674" y="5443391"/>
+            <a:ext cx="817991" cy="269241"/>
           </a:xfrm>
           <a:prstGeom prst="rect">
             <a:avLst/>
@@ -4464,7 +4404,7 @@
               </a:spcAft>
             </a:pPr>
             <a:r>
-              <a:rPr lang="en-US" altLang="zh-TW" sz="1200" dirty="0" smtClean="0">
+              <a:rPr lang="en-US" altLang="zh-TW" sz="1100" b="1" dirty="0" smtClean="0">
                 <a:solidFill>
                   <a:schemeClr val="bg1"/>
                 </a:solidFill>
@@ -4474,7 +4414,7 @@
               </a:rPr>
               <a:t>SKILLS</a:t>
             </a:r>
-            <a:endParaRPr lang="zh-TW" sz="1200" dirty="0">
+            <a:endParaRPr lang="zh-TW" sz="1100" b="1" dirty="0">
               <a:solidFill>
                 <a:schemeClr val="bg1"/>
               </a:solidFill>
@@ -4494,8 +4434,8 @@
         </p:nvSpPr>
         <p:spPr>
           <a:xfrm>
-            <a:off x="131838" y="8023562"/>
-            <a:ext cx="1589297" cy="272254"/>
+            <a:off x="290080" y="8048098"/>
+            <a:ext cx="1691358" cy="269241"/>
           </a:xfrm>
           <a:prstGeom prst="rect">
             <a:avLst/>
@@ -4522,7 +4462,7 @@
               </a:spcAft>
             </a:pPr>
             <a:r>
-              <a:rPr lang="en-US" altLang="zh-TW" sz="1200" dirty="0" smtClean="0">
+              <a:rPr lang="en-US" altLang="zh-TW" sz="1100" b="1" dirty="0" smtClean="0">
                 <a:solidFill>
                   <a:schemeClr val="bg1"/>
                 </a:solidFill>
@@ -4532,7 +4472,7 @@
               </a:rPr>
               <a:t>AUTOBIOGRAPHY</a:t>
             </a:r>
-            <a:endParaRPr lang="zh-TW" sz="1200" dirty="0">
+            <a:endParaRPr lang="zh-TW" sz="1100" b="1" dirty="0">
               <a:solidFill>
                 <a:schemeClr val="bg1"/>
               </a:solidFill>
@@ -4552,7 +4492,7 @@
         </p:nvCxnSpPr>
         <p:spPr>
           <a:xfrm flipV="1">
-            <a:off x="273050" y="1897837"/>
+            <a:off x="300024" y="1497199"/>
             <a:ext cx="6236755" cy="11662"/>
           </a:xfrm>
           <a:prstGeom prst="line">
@@ -4579,7 +4519,7 @@
         </p:nvSpPr>
         <p:spPr>
           <a:xfrm>
-            <a:off x="278130" y="1891719"/>
+            <a:off x="305104" y="1491081"/>
             <a:ext cx="707390" cy="45720"/>
           </a:xfrm>
           <a:prstGeom prst="rect">
@@ -4611,8 +4551,8 @@
         </p:nvSpPr>
         <p:spPr>
           <a:xfrm>
-            <a:off x="200659" y="1979023"/>
-            <a:ext cx="5431295" cy="459100"/>
+            <a:off x="227633" y="1526561"/>
+            <a:ext cx="5011308" cy="428322"/>
           </a:xfrm>
           <a:prstGeom prst="rect">
             <a:avLst/>
@@ -4633,13 +4573,13 @@
               <a:buChar char="p"/>
             </a:pPr>
             <a:r>
-              <a:rPr lang="en-US" altLang="zh-TW" sz="1150" b="1" dirty="0" smtClean="0">
+              <a:rPr lang="en-US" altLang="zh-TW" sz="1050" b="1" dirty="0" smtClean="0">
                 <a:latin typeface="Georgia" panose="02040502050405020303" pitchFamily="18" charset="0"/>
               </a:rPr>
               <a:t>OBJECTIVE:  </a:t>
             </a:r>
             <a:r>
-              <a:rPr lang="en-US" altLang="zh-TW" sz="1150" dirty="0" smtClean="0">
+              <a:rPr lang="en-US" altLang="zh-TW" sz="1050" dirty="0" smtClean="0">
                 <a:latin typeface="Georgia" panose="02040502050405020303" pitchFamily="18" charset="0"/>
               </a:rPr>
               <a:t>Google Taiwan, Software Engineering Intern, Summer 2020</a:t>
@@ -4654,18 +4594,30 @@
               <a:buChar char="p"/>
             </a:pPr>
             <a:r>
-              <a:rPr lang="en-US" altLang="zh-TW" sz="1150" b="1" dirty="0" smtClean="0">
+              <a:rPr lang="en-US" altLang="zh-TW" sz="1050" b="1" dirty="0" smtClean="0">
                 <a:latin typeface="Georgia" panose="02040502050405020303" pitchFamily="18" charset="0"/>
               </a:rPr>
               <a:t>TARGET:  </a:t>
             </a:r>
             <a:r>
-              <a:rPr lang="en-US" altLang="zh-TW" sz="1150" dirty="0" smtClean="0">
+              <a:rPr lang="en-US" altLang="zh-TW" sz="1050" dirty="0" smtClean="0">
                 <a:latin typeface="Georgia" panose="02040502050405020303" pitchFamily="18" charset="0"/>
               </a:rPr>
-              <a:t>Learning and Producing</a:t>
-            </a:r>
-            <a:endParaRPr lang="zh-TW" altLang="en-US" sz="1150" dirty="0">
+              <a:t>Learn </a:t>
+            </a:r>
+            <a:r>
+              <a:rPr lang="en-US" altLang="zh-TW" sz="1050" dirty="0" smtClean="0">
+                <a:latin typeface="Georgia" panose="02040502050405020303" pitchFamily="18" charset="0"/>
+              </a:rPr>
+              <a:t>and </a:t>
+            </a:r>
+            <a:r>
+              <a:rPr lang="en-US" altLang="zh-TW" sz="1050" dirty="0" smtClean="0">
+                <a:latin typeface="Georgia" panose="02040502050405020303" pitchFamily="18" charset="0"/>
+              </a:rPr>
+              <a:t>Bring Benefit to the Company</a:t>
+            </a:r>
+            <a:endParaRPr lang="zh-TW" altLang="en-US" sz="1050" dirty="0">
               <a:latin typeface="Georgia" panose="02040502050405020303" pitchFamily="18" charset="0"/>
             </a:endParaRPr>
           </a:p>
@@ -4679,7 +4631,7 @@
         </p:nvCxnSpPr>
         <p:spPr>
           <a:xfrm flipV="1">
-            <a:off x="267970" y="2984693"/>
+            <a:off x="293674" y="2373513"/>
             <a:ext cx="6236755" cy="11662"/>
           </a:xfrm>
           <a:prstGeom prst="line">
@@ -4706,7 +4658,7 @@
         </p:nvSpPr>
         <p:spPr>
           <a:xfrm>
-            <a:off x="273050" y="2978575"/>
+            <a:off x="298754" y="2367395"/>
             <a:ext cx="707390" cy="45720"/>
           </a:xfrm>
           <a:prstGeom prst="rect">
@@ -4739,14 +4691,14 @@
           <p:nvPr>
             <p:extLst>
               <p:ext uri="{D42A27DB-BD31-4B8C-83A1-F6EECF244321}">
-                <p14:modId xmlns:p14="http://schemas.microsoft.com/office/powerpoint/2010/main" val="1597037358"/>
+                <p14:modId xmlns:p14="http://schemas.microsoft.com/office/powerpoint/2010/main" val="1404419224"/>
               </p:ext>
             </p:extLst>
           </p:nvPr>
         </p:nvGraphicFramePr>
         <p:xfrm>
-          <a:off x="200659" y="3132001"/>
-          <a:ext cx="6390642" cy="441960"/>
+          <a:off x="211123" y="2413115"/>
+          <a:ext cx="6390642" cy="411480"/>
         </p:xfrm>
         <a:graphic>
           <a:graphicData uri="http://schemas.openxmlformats.org/drawingml/2006/table">
@@ -4788,7 +4740,7 @@
                         <a:buChar char="p"/>
                       </a:pPr>
                       <a:r>
-                        <a:rPr lang="en-US" altLang="zh-TW" sz="1150" baseline="0" dirty="0" smtClean="0">
+                        <a:rPr lang="en-US" altLang="zh-TW" sz="1050" baseline="0" dirty="0" smtClean="0">
                           <a:solidFill>
                             <a:schemeClr val="tx1"/>
                           </a:solidFill>
@@ -4796,7 +4748,7 @@
                         </a:rPr>
                         <a:t> </a:t>
                       </a:r>
-                      <a:endParaRPr lang="zh-TW" altLang="en-US" sz="1150" dirty="0">
+                      <a:endParaRPr lang="zh-TW" altLang="en-US" sz="1050" dirty="0">
                         <a:solidFill>
                           <a:schemeClr val="tx1"/>
                         </a:solidFill>
@@ -4834,7 +4786,7 @@
                     <a:lstStyle/>
                     <a:p>
                       <a:r>
-                        <a:rPr lang="en-US" altLang="zh-TW" sz="1150" b="0" dirty="0" smtClean="0">
+                        <a:rPr lang="en-US" altLang="zh-TW" sz="1050" b="1" dirty="0" smtClean="0">
                           <a:solidFill>
                             <a:schemeClr val="tx1"/>
                           </a:solidFill>
@@ -4843,18 +4795,33 @@
                         <a:t>National</a:t>
                       </a:r>
                       <a:r>
-                        <a:rPr lang="en-US" altLang="zh-TW" sz="1150" b="0" baseline="0" dirty="0" smtClean="0">
+                        <a:rPr lang="en-US" altLang="zh-TW" sz="1050" b="1" baseline="0" dirty="0" smtClean="0">
                           <a:solidFill>
                             <a:schemeClr val="tx1"/>
                           </a:solidFill>
                           <a:latin typeface="Georgia" panose="02040502050405020303" pitchFamily="18" charset="0"/>
                         </a:rPr>
-                        <a:t> Tsing Hua University, Hsinchu, Taiwan</a:t>
+                        <a:t> Tsing Hua </a:t>
                       </a:r>
+                      <a:r>
+                        <a:rPr lang="en-US" altLang="zh-TW" sz="1050" b="1" baseline="0" dirty="0" smtClean="0">
+                          <a:solidFill>
+                            <a:schemeClr val="tx1"/>
+                          </a:solidFill>
+                          <a:latin typeface="Georgia" panose="02040502050405020303" pitchFamily="18" charset="0"/>
+                        </a:rPr>
+                        <a:t>University (GPA 4.08)</a:t>
+                      </a:r>
+                      <a:endParaRPr lang="en-US" altLang="zh-TW" sz="1050" b="1" baseline="0" dirty="0" smtClean="0">
+                        <a:solidFill>
+                          <a:schemeClr val="tx1"/>
+                        </a:solidFill>
+                        <a:latin typeface="Georgia" panose="02040502050405020303" pitchFamily="18" charset="0"/>
+                      </a:endParaRPr>
                     </a:p>
                     <a:p>
                       <a:r>
-                        <a:rPr lang="en-US" altLang="zh-TW" sz="1150" b="0" baseline="0" dirty="0" smtClean="0">
+                        <a:rPr lang="en-US" altLang="zh-TW" sz="1050" b="0" baseline="0" dirty="0" smtClean="0">
                           <a:solidFill>
                             <a:schemeClr val="tx1"/>
                           </a:solidFill>
@@ -4862,7 +4829,7 @@
                         </a:rPr>
                         <a:t>Institute of Communications Engineering</a:t>
                       </a:r>
-                      <a:endParaRPr lang="zh-TW" altLang="en-US" sz="1150" b="0" dirty="0">
+                      <a:endParaRPr lang="zh-TW" altLang="en-US" sz="1050" b="0" dirty="0">
                         <a:solidFill>
                           <a:schemeClr val="tx1"/>
                         </a:solidFill>
@@ -4901,16 +4868,37 @@
                     <a:p>
                       <a:pPr algn="r"/>
                       <a:r>
-                        <a:rPr lang="en-US" altLang="zh-TW" sz="1150" b="0" dirty="0" smtClean="0">
+                        <a:rPr lang="en-US" altLang="zh-TW" sz="1050" b="0" dirty="0" smtClean="0">
                           <a:solidFill>
                             <a:schemeClr val="tx1"/>
                           </a:solidFill>
                           <a:latin typeface="Georgia" panose="02040502050405020303" pitchFamily="18" charset="0"/>
                         </a:rPr>
-                        <a:t>Sep. 2019</a:t>
+                        <a:t>Hsinchu, Taiwan</a:t>
+                      </a:r>
+                    </a:p>
+                    <a:p>
+                      <a:pPr algn="r"/>
+                      <a:r>
+                        <a:rPr lang="en-US" altLang="zh-TW" sz="1050" b="0" dirty="0" smtClean="0">
+                          <a:solidFill>
+                            <a:schemeClr val="tx1"/>
+                          </a:solidFill>
+                          <a:latin typeface="Georgia" panose="02040502050405020303" pitchFamily="18" charset="0"/>
+                        </a:rPr>
+                        <a:t>Sep</a:t>
                       </a:r>
                       <a:r>
-                        <a:rPr lang="en-US" altLang="zh-TW" sz="1150" b="0" baseline="0" dirty="0" smtClean="0">
+                        <a:rPr lang="en-US" altLang="zh-TW" sz="1050" b="0" dirty="0" smtClean="0">
+                          <a:solidFill>
+                            <a:schemeClr val="tx1"/>
+                          </a:solidFill>
+                          <a:latin typeface="Georgia" panose="02040502050405020303" pitchFamily="18" charset="0"/>
+                        </a:rPr>
+                        <a:t>. 2019</a:t>
+                      </a:r>
+                      <a:r>
+                        <a:rPr lang="en-US" altLang="zh-TW" sz="1050" b="0" baseline="0" dirty="0" smtClean="0">
                           <a:solidFill>
                             <a:schemeClr val="tx1"/>
                           </a:solidFill>
@@ -4918,7 +4906,7 @@
                         </a:rPr>
                         <a:t> - Present</a:t>
                       </a:r>
-                      <a:endParaRPr lang="zh-TW" altLang="en-US" sz="1150" b="0" dirty="0">
+                      <a:endParaRPr lang="zh-TW" altLang="en-US" sz="1050" b="0" dirty="0">
                         <a:solidFill>
                           <a:schemeClr val="tx1"/>
                         </a:solidFill>
@@ -4926,7 +4914,7 @@
                       </a:endParaRPr>
                     </a:p>
                   </a:txBody>
-                  <a:tcPr anchor="b">
+                  <a:tcPr anchor="ctr">
                     <a:lnL w="12700" cmpd="sng">
                       <a:noFill/>
                     </a:lnL>
@@ -4969,14 +4957,14 @@
           <p:nvPr>
             <p:extLst>
               <p:ext uri="{D42A27DB-BD31-4B8C-83A1-F6EECF244321}">
-                <p14:modId xmlns:p14="http://schemas.microsoft.com/office/powerpoint/2010/main" val="3079428503"/>
+                <p14:modId xmlns:p14="http://schemas.microsoft.com/office/powerpoint/2010/main" val="2739418778"/>
               </p:ext>
             </p:extLst>
           </p:nvPr>
         </p:nvGraphicFramePr>
         <p:xfrm>
-          <a:off x="200659" y="3583494"/>
-          <a:ext cx="6390642" cy="441960"/>
+          <a:off x="216730" y="2769562"/>
+          <a:ext cx="6390642" cy="411480"/>
         </p:xfrm>
         <a:graphic>
           <a:graphicData uri="http://schemas.openxmlformats.org/drawingml/2006/table">
@@ -5018,7 +5006,7 @@
                         <a:buChar char="p"/>
                       </a:pPr>
                       <a:r>
-                        <a:rPr lang="en-US" altLang="zh-TW" sz="1150" baseline="0" dirty="0" smtClean="0">
+                        <a:rPr lang="en-US" altLang="zh-TW" sz="1050" baseline="0" dirty="0" smtClean="0">
                           <a:solidFill>
                             <a:schemeClr val="tx1"/>
                           </a:solidFill>
@@ -5026,7 +5014,7 @@
                         </a:rPr>
                         <a:t> </a:t>
                       </a:r>
-                      <a:endParaRPr lang="zh-TW" altLang="en-US" sz="1150" dirty="0">
+                      <a:endParaRPr lang="zh-TW" altLang="en-US" sz="1050" dirty="0">
                         <a:solidFill>
                           <a:schemeClr val="tx1"/>
                         </a:solidFill>
@@ -5064,27 +5052,33 @@
                     <a:lstStyle/>
                     <a:p>
                       <a:r>
-                        <a:rPr lang="en-US" altLang="zh-TW" sz="1150" b="0" dirty="0" smtClean="0">
+                        <a:rPr lang="en-US" altLang="zh-TW" sz="1050" b="1" dirty="0" smtClean="0">
                           <a:solidFill>
                             <a:schemeClr val="tx1"/>
                           </a:solidFill>
                           <a:latin typeface="Georgia" panose="02040502050405020303" pitchFamily="18" charset="0"/>
                         </a:rPr>
-                        <a:t>National</a:t>
+                        <a:t>Feng Chia </a:t>
                       </a:r>
                       <a:r>
-                        <a:rPr lang="en-US" altLang="zh-TW" sz="1150" b="0" baseline="0" dirty="0" smtClean="0">
+                        <a:rPr lang="en-US" altLang="zh-TW" sz="1050" b="1" baseline="0" dirty="0" smtClean="0">
                           <a:solidFill>
                             <a:schemeClr val="tx1"/>
                           </a:solidFill>
                           <a:latin typeface="Georgia" panose="02040502050405020303" pitchFamily="18" charset="0"/>
                         </a:rPr>
-                        <a:t> Tsing Hua University, Hsinchu, Taiwan</a:t>
+                        <a:t>University</a:t>
                       </a:r>
+                      <a:endParaRPr lang="en-US" altLang="zh-TW" sz="1050" b="1" baseline="0" dirty="0" smtClean="0">
+                        <a:solidFill>
+                          <a:schemeClr val="tx1"/>
+                        </a:solidFill>
+                        <a:latin typeface="Georgia" panose="02040502050405020303" pitchFamily="18" charset="0"/>
+                      </a:endParaRPr>
                     </a:p>
                     <a:p>
                       <a:r>
-                        <a:rPr lang="en-US" altLang="zh-TW" sz="1150" b="0" baseline="0" dirty="0" smtClean="0">
+                        <a:rPr lang="en-US" altLang="zh-TW" sz="1050" b="0" baseline="0" dirty="0" smtClean="0">
                           <a:solidFill>
                             <a:schemeClr val="tx1"/>
                           </a:solidFill>
@@ -5092,7 +5086,7 @@
                         </a:rPr>
                         <a:t>Department of Communications Engineering</a:t>
                       </a:r>
-                      <a:endParaRPr lang="zh-TW" altLang="en-US" sz="1150" b="0" dirty="0">
+                      <a:endParaRPr lang="zh-TW" altLang="en-US" sz="1050" b="0" dirty="0">
                         <a:solidFill>
                           <a:schemeClr val="tx1"/>
                         </a:solidFill>
@@ -5131,24 +5125,27 @@
                     <a:p>
                       <a:pPr algn="r"/>
                       <a:r>
-                        <a:rPr lang="en-US" altLang="zh-TW" sz="1150" b="0" dirty="0" smtClean="0">
+                        <a:rPr lang="en-US" altLang="zh-TW" sz="1050" b="0" baseline="0" dirty="0" smtClean="0">
                           <a:solidFill>
                             <a:schemeClr val="tx1"/>
                           </a:solidFill>
                           <a:latin typeface="Georgia" panose="02040502050405020303" pitchFamily="18" charset="0"/>
                         </a:rPr>
-                        <a:t>Sep. 2019</a:t>
+                        <a:t>Taichung, Taiwan</a:t>
                       </a:r>
+                    </a:p>
+                    <a:p>
+                      <a:pPr algn="r"/>
                       <a:r>
-                        <a:rPr lang="en-US" altLang="zh-TW" sz="1150" b="0" baseline="0" dirty="0" smtClean="0">
+                        <a:rPr lang="en-US" altLang="zh-TW" sz="1050" b="0" baseline="0" dirty="0" smtClean="0">
                           <a:solidFill>
                             <a:schemeClr val="tx1"/>
                           </a:solidFill>
                           <a:latin typeface="Georgia" panose="02040502050405020303" pitchFamily="18" charset="0"/>
                         </a:rPr>
-                        <a:t> - Present</a:t>
+                        <a:t>Sep. 2014 – Jan. 2019</a:t>
                       </a:r>
-                      <a:endParaRPr lang="zh-TW" altLang="en-US" sz="1150" b="0" dirty="0">
+                      <a:endParaRPr lang="zh-TW" altLang="en-US" sz="1050" b="0" dirty="0">
                         <a:solidFill>
                           <a:schemeClr val="tx1"/>
                         </a:solidFill>
@@ -5156,7 +5153,7 @@
                       </a:endParaRPr>
                     </a:p>
                   </a:txBody>
-                  <a:tcPr anchor="b">
+                  <a:tcPr anchor="ctr">
                     <a:lnL w="12700" cmpd="sng">
                       <a:noFill/>
                     </a:lnL>
@@ -5183,6 +5180,1138 @@
                 <a:extLst>
                   <a:ext uri="{0D108BD9-81ED-4DB2-BD59-A6C34878D82A}">
                     <a16:rowId xmlns:a16="http://schemas.microsoft.com/office/drawing/2014/main" val="2523331923"/>
+                  </a:ext>
+                </a:extLst>
+              </a:tr>
+            </a:tbl>
+          </a:graphicData>
+        </a:graphic>
+      </p:graphicFrame>
+      <p:pic>
+        <p:nvPicPr>
+          <p:cNvPr id="31" name="圖片 30"/>
+          <p:cNvPicPr/>
+          <p:nvPr/>
+        </p:nvPicPr>
+        <p:blipFill>
+          <a:blip r:embed="rId4" cstate="print">
+            <a:extLst>
+              <a:ext uri="{BEBA8EAE-BF5A-486C-A8C5-ECC9F3942E4B}">
+                <a14:imgProps xmlns:a14="http://schemas.microsoft.com/office/drawing/2010/main">
+                  <a14:imgLayer r:embed="rId5">
+                    <a14:imgEffect>
+                      <a14:backgroundRemoval t="0" b="100000" l="6250" r="93750">
+                        <a14:foregroundMark x1="21875" y1="56923" x2="21875" y2="56923"/>
+                        <a14:foregroundMark x1="28125" y1="83077" x2="28125" y2="83077"/>
+                        <a14:foregroundMark x1="54688" y1="1538" x2="54688" y2="1538"/>
+                        <a14:foregroundMark x1="57813" y1="1538" x2="57813" y2="1538"/>
+                      </a14:backgroundRemoval>
+                    </a14:imgEffect>
+                  </a14:imgLayer>
+                </a14:imgProps>
+              </a:ext>
+              <a:ext uri="{28A0092B-C50C-407E-A947-70E740481C1C}">
+                <a14:useLocalDpi xmlns:a14="http://schemas.microsoft.com/office/drawing/2010/main" val="0"/>
+              </a:ext>
+            </a:extLst>
+          </a:blip>
+          <a:stretch>
+            <a:fillRect/>
+          </a:stretch>
+        </p:blipFill>
+        <p:spPr>
+          <a:xfrm>
+            <a:off x="282048" y="658581"/>
+            <a:ext cx="233680" cy="241808"/>
+          </a:xfrm>
+          <a:prstGeom prst="rect">
+            <a:avLst/>
+          </a:prstGeom>
+        </p:spPr>
+      </p:pic>
+      <p:sp>
+        <p:nvSpPr>
+          <p:cNvPr id="32" name="文字方塊 31"/>
+          <p:cNvSpPr txBox="1"/>
+          <p:nvPr/>
+        </p:nvSpPr>
+        <p:spPr>
+          <a:xfrm>
+            <a:off x="509489" y="665633"/>
+            <a:ext cx="865943" cy="253916"/>
+          </a:xfrm>
+          <a:prstGeom prst="rect">
+            <a:avLst/>
+          </a:prstGeom>
+          <a:noFill/>
+        </p:spPr>
+        <p:txBody>
+          <a:bodyPr wrap="none" rtlCol="0">
+            <a:spAutoFit/>
+          </a:bodyPr>
+          <a:lstStyle/>
+          <a:p>
+            <a:r>
+              <a:rPr lang="en-US" altLang="zh-TW" sz="1000" dirty="0" smtClean="0">
+                <a:latin typeface="Bahnschrift" panose="020B0502040204020203" pitchFamily="34" charset="0"/>
+                <a:cs typeface="Times New Roman" panose="02020603050405020304" pitchFamily="18" charset="0"/>
+              </a:rPr>
+              <a:t>Discharged</a:t>
+            </a:r>
+            <a:endParaRPr lang="zh-TW" altLang="en-US" sz="1000" dirty="0">
+              <a:latin typeface="Bahnschrift" panose="020B0502040204020203" pitchFamily="34" charset="0"/>
+              <a:cs typeface="Times New Roman" panose="02020603050405020304" pitchFamily="18" charset="0"/>
+            </a:endParaRPr>
+          </a:p>
+        </p:txBody>
+      </p:sp>
+      <p:cxnSp>
+        <p:nvCxnSpPr>
+          <p:cNvPr id="36" name="直接连接符 149"/>
+          <p:cNvCxnSpPr/>
+          <p:nvPr/>
+        </p:nvCxnSpPr>
+        <p:spPr>
+          <a:xfrm flipV="1">
+            <a:off x="287211" y="3637088"/>
+            <a:ext cx="6236755" cy="11662"/>
+          </a:xfrm>
+          <a:prstGeom prst="line">
+            <a:avLst/>
+          </a:prstGeom>
+          <a:noFill/>
+          <a:ln w="12700" cap="flat" cmpd="sng" algn="ctr">
+            <a:solidFill>
+              <a:sysClr val="window" lastClr="FFFFFF">
+                <a:lumMod val="65000"/>
+              </a:sysClr>
+            </a:solidFill>
+            <a:prstDash val="solid"/>
+            <a:miter lim="800000"/>
+          </a:ln>
+          <a:effectLst/>
+        </p:spPr>
+      </p:cxnSp>
+      <p:sp>
+        <p:nvSpPr>
+          <p:cNvPr id="37" name="矩形 36"/>
+          <p:cNvSpPr/>
+          <p:nvPr/>
+        </p:nvSpPr>
+        <p:spPr>
+          <a:xfrm>
+            <a:off x="292291" y="3630970"/>
+            <a:ext cx="707390" cy="45720"/>
+          </a:xfrm>
+          <a:prstGeom prst="rect">
+            <a:avLst/>
+          </a:prstGeom>
+          <a:solidFill>
+            <a:srgbClr val="8DAFB1"/>
+          </a:solidFill>
+          <a:ln w="12700" cap="flat" cmpd="sng" algn="ctr">
+            <a:noFill/>
+            <a:prstDash val="solid"/>
+            <a:miter lim="800000"/>
+          </a:ln>
+          <a:effectLst/>
+        </p:spPr>
+        <p:txBody>
+          <a:bodyPr rtlCol="0" anchor="ctr"/>
+          <a:lstStyle/>
+          <a:p>
+            <a:endParaRPr lang="zh-TW" altLang="en-US"/>
+          </a:p>
+        </p:txBody>
+      </p:sp>
+      <p:sp>
+        <p:nvSpPr>
+          <p:cNvPr id="8" name="文字方塊 7"/>
+          <p:cNvSpPr txBox="1"/>
+          <p:nvPr/>
+        </p:nvSpPr>
+        <p:spPr>
+          <a:xfrm>
+            <a:off x="227633" y="3669284"/>
+            <a:ext cx="3979711" cy="625812"/>
+          </a:xfrm>
+          <a:prstGeom prst="rect">
+            <a:avLst/>
+          </a:prstGeom>
+          <a:noFill/>
+        </p:spPr>
+        <p:txBody>
+          <a:bodyPr wrap="square" rtlCol="0">
+            <a:spAutoFit/>
+          </a:bodyPr>
+          <a:lstStyle/>
+          <a:p>
+            <a:pPr marL="228600" indent="-228600">
+              <a:spcAft>
+                <a:spcPts val="70"/>
+              </a:spcAft>
+              <a:buAutoNum type="arabicPeriod"/>
+            </a:pPr>
+            <a:r>
+              <a:rPr lang="en-US" altLang="zh-TW" sz="1050" b="1" dirty="0" smtClean="0">
+                <a:latin typeface="Georgia" panose="02040502050405020303" pitchFamily="18" charset="0"/>
+              </a:rPr>
+              <a:t>  2018    National </a:t>
+            </a:r>
+            <a:r>
+              <a:rPr lang="en-US" altLang="zh-TW" sz="1050" b="1" dirty="0">
+                <a:latin typeface="Georgia" panose="02040502050405020303" pitchFamily="18" charset="0"/>
+              </a:rPr>
+              <a:t>University Competition of Python</a:t>
+            </a:r>
+            <a:r>
+              <a:rPr lang="en-US" altLang="zh-TW" sz="1050" b="1" dirty="0" smtClean="0">
+                <a:latin typeface="Georgia" panose="02040502050405020303" pitchFamily="18" charset="0"/>
+              </a:rPr>
+              <a:t> </a:t>
+            </a:r>
+          </a:p>
+          <a:p>
+            <a:pPr marL="228600" indent="-228600">
+              <a:spcAft>
+                <a:spcPts val="70"/>
+              </a:spcAft>
+              <a:buAutoNum type="arabicPeriod"/>
+            </a:pPr>
+            <a:r>
+              <a:rPr lang="en-US" altLang="zh-TW" sz="1050" b="1" dirty="0" smtClean="0">
+                <a:latin typeface="Georgia" panose="02040502050405020303" pitchFamily="18" charset="0"/>
+              </a:rPr>
+              <a:t>  2017     IMP 2017 Conference</a:t>
+            </a:r>
+          </a:p>
+          <a:p>
+            <a:pPr marL="228600" indent="-228600">
+              <a:spcAft>
+                <a:spcPts val="70"/>
+              </a:spcAft>
+              <a:buAutoNum type="arabicPeriod"/>
+            </a:pPr>
+            <a:r>
+              <a:rPr lang="en-US" altLang="zh-TW" sz="1050" b="1" dirty="0" smtClean="0">
+                <a:latin typeface="Georgia" panose="02040502050405020303" pitchFamily="18" charset="0"/>
+              </a:rPr>
+              <a:t>  2017     Independent Study Competition</a:t>
+            </a:r>
+          </a:p>
+        </p:txBody>
+      </p:sp>
+      <p:sp>
+        <p:nvSpPr>
+          <p:cNvPr id="39" name="文字方塊 38"/>
+          <p:cNvSpPr txBox="1"/>
+          <p:nvPr/>
+        </p:nvSpPr>
+        <p:spPr>
+          <a:xfrm>
+            <a:off x="3480105" y="3669284"/>
+            <a:ext cx="3128292" cy="625812"/>
+          </a:xfrm>
+          <a:prstGeom prst="rect">
+            <a:avLst/>
+          </a:prstGeom>
+          <a:noFill/>
+        </p:spPr>
+        <p:txBody>
+          <a:bodyPr wrap="square" rtlCol="0">
+            <a:spAutoFit/>
+          </a:bodyPr>
+          <a:lstStyle/>
+          <a:p>
+            <a:pPr algn="r">
+              <a:spcAft>
+                <a:spcPts val="70"/>
+              </a:spcAft>
+            </a:pPr>
+            <a:r>
+              <a:rPr lang="en-US" altLang="zh-TW" sz="1050" dirty="0" smtClean="0">
+                <a:latin typeface="Georgia" panose="02040502050405020303" pitchFamily="18" charset="0"/>
+              </a:rPr>
+              <a:t>Certified</a:t>
+            </a:r>
+          </a:p>
+          <a:p>
+            <a:pPr algn="r">
+              <a:spcAft>
+                <a:spcPts val="70"/>
+              </a:spcAft>
+            </a:pPr>
+            <a:r>
+              <a:rPr lang="en-US" altLang="zh-TW" sz="1050" dirty="0" smtClean="0">
+                <a:latin typeface="Georgia" panose="02040502050405020303" pitchFamily="18" charset="0"/>
+              </a:rPr>
+              <a:t>Publish</a:t>
+            </a:r>
+          </a:p>
+          <a:p>
+            <a:pPr algn="r">
+              <a:spcAft>
+                <a:spcPts val="70"/>
+              </a:spcAft>
+            </a:pPr>
+            <a:r>
+              <a:rPr lang="en-US" altLang="zh-TW" sz="1050" dirty="0" smtClean="0">
+                <a:latin typeface="Georgia" panose="02040502050405020303" pitchFamily="18" charset="0"/>
+              </a:rPr>
+              <a:t>Honorable Mention Award</a:t>
+            </a:r>
+          </a:p>
+        </p:txBody>
+      </p:sp>
+      <p:cxnSp>
+        <p:nvCxnSpPr>
+          <p:cNvPr id="40" name="直接连接符 149"/>
+          <p:cNvCxnSpPr/>
+          <p:nvPr/>
+        </p:nvCxnSpPr>
+        <p:spPr>
+          <a:xfrm flipV="1">
+            <a:off x="287211" y="4750046"/>
+            <a:ext cx="6236755" cy="11662"/>
+          </a:xfrm>
+          <a:prstGeom prst="line">
+            <a:avLst/>
+          </a:prstGeom>
+          <a:noFill/>
+          <a:ln w="12700" cap="flat" cmpd="sng" algn="ctr">
+            <a:solidFill>
+              <a:sysClr val="window" lastClr="FFFFFF">
+                <a:lumMod val="65000"/>
+              </a:sysClr>
+            </a:solidFill>
+            <a:prstDash val="solid"/>
+            <a:miter lim="800000"/>
+          </a:ln>
+          <a:effectLst/>
+        </p:spPr>
+      </p:cxnSp>
+      <p:sp>
+        <p:nvSpPr>
+          <p:cNvPr id="44" name="矩形 43"/>
+          <p:cNvSpPr/>
+          <p:nvPr/>
+        </p:nvSpPr>
+        <p:spPr>
+          <a:xfrm>
+            <a:off x="292291" y="4743928"/>
+            <a:ext cx="707390" cy="45720"/>
+          </a:xfrm>
+          <a:prstGeom prst="rect">
+            <a:avLst/>
+          </a:prstGeom>
+          <a:solidFill>
+            <a:srgbClr val="8DAFB1"/>
+          </a:solidFill>
+          <a:ln w="12700" cap="flat" cmpd="sng" algn="ctr">
+            <a:noFill/>
+            <a:prstDash val="solid"/>
+            <a:miter lim="800000"/>
+          </a:ln>
+          <a:effectLst/>
+        </p:spPr>
+        <p:txBody>
+          <a:bodyPr rtlCol="0" anchor="ctr"/>
+          <a:lstStyle/>
+          <a:p>
+            <a:endParaRPr lang="zh-TW" altLang="en-US"/>
+          </a:p>
+        </p:txBody>
+      </p:sp>
+      <p:sp>
+        <p:nvSpPr>
+          <p:cNvPr id="45" name="文字方塊 44"/>
+          <p:cNvSpPr txBox="1"/>
+          <p:nvPr/>
+        </p:nvSpPr>
+        <p:spPr>
+          <a:xfrm>
+            <a:off x="211123" y="4772818"/>
+            <a:ext cx="6374414" cy="577081"/>
+          </a:xfrm>
+          <a:prstGeom prst="rect">
+            <a:avLst/>
+          </a:prstGeom>
+          <a:noFill/>
+        </p:spPr>
+        <p:txBody>
+          <a:bodyPr wrap="square" rtlCol="0">
+            <a:spAutoFit/>
+          </a:bodyPr>
+          <a:lstStyle/>
+          <a:p>
+            <a:pPr algn="just">
+              <a:spcAft>
+                <a:spcPts val="70"/>
+              </a:spcAft>
+            </a:pPr>
+            <a:r>
+              <a:rPr lang="en-US" altLang="zh-TW" sz="1050" dirty="0">
+                <a:latin typeface="Georgia" panose="02040502050405020303" pitchFamily="18" charset="0"/>
+              </a:rPr>
+              <a:t>Wen-Yuan Chen, Chi-Shih Chao, ”VoIP Monitoring and Management Platform for Arbitrary </a:t>
+            </a:r>
+            <a:r>
+              <a:rPr lang="en-US" altLang="zh-TW" sz="1050" dirty="0" smtClean="0">
+                <a:latin typeface="Georgia" panose="02040502050405020303" pitchFamily="18" charset="0"/>
+              </a:rPr>
+              <a:t>Architecture</a:t>
+            </a:r>
+            <a:r>
+              <a:rPr lang="en-US" altLang="zh-TW" sz="1050" dirty="0">
+                <a:latin typeface="Georgia" panose="02040502050405020303" pitchFamily="18" charset="0"/>
+              </a:rPr>
+              <a:t>,” The 23th Conference on Information Management and Practice (2017 IMP) , No. 46 , </a:t>
+            </a:r>
+            <a:r>
+              <a:rPr lang="en-US" altLang="zh-TW" sz="1050" dirty="0" smtClean="0">
+                <a:latin typeface="Georgia" panose="02040502050405020303" pitchFamily="18" charset="0"/>
+              </a:rPr>
+              <a:t>December 2017</a:t>
+            </a:r>
+            <a:r>
+              <a:rPr lang="en-US" altLang="zh-TW" sz="1050" dirty="0">
+                <a:latin typeface="Georgia" panose="02040502050405020303" pitchFamily="18" charset="0"/>
+              </a:rPr>
+              <a:t>.</a:t>
+            </a:r>
+            <a:endParaRPr lang="zh-TW" altLang="en-US" sz="1050" dirty="0">
+              <a:latin typeface="Georgia" panose="02040502050405020303" pitchFamily="18" charset="0"/>
+            </a:endParaRPr>
+          </a:p>
+        </p:txBody>
+      </p:sp>
+      <p:cxnSp>
+        <p:nvCxnSpPr>
+          <p:cNvPr id="48" name="直接连接符 149"/>
+          <p:cNvCxnSpPr/>
+          <p:nvPr/>
+        </p:nvCxnSpPr>
+        <p:spPr>
+          <a:xfrm flipV="1">
+            <a:off x="287211" y="5777106"/>
+            <a:ext cx="6236755" cy="11662"/>
+          </a:xfrm>
+          <a:prstGeom prst="line">
+            <a:avLst/>
+          </a:prstGeom>
+          <a:noFill/>
+          <a:ln w="12700" cap="flat" cmpd="sng" algn="ctr">
+            <a:solidFill>
+              <a:sysClr val="window" lastClr="FFFFFF">
+                <a:lumMod val="65000"/>
+              </a:sysClr>
+            </a:solidFill>
+            <a:prstDash val="solid"/>
+            <a:miter lim="800000"/>
+          </a:ln>
+          <a:effectLst/>
+        </p:spPr>
+      </p:cxnSp>
+      <p:sp>
+        <p:nvSpPr>
+          <p:cNvPr id="49" name="矩形 48"/>
+          <p:cNvSpPr/>
+          <p:nvPr/>
+        </p:nvSpPr>
+        <p:spPr>
+          <a:xfrm>
+            <a:off x="292291" y="5770988"/>
+            <a:ext cx="707390" cy="45720"/>
+          </a:xfrm>
+          <a:prstGeom prst="rect">
+            <a:avLst/>
+          </a:prstGeom>
+          <a:solidFill>
+            <a:srgbClr val="8DAFB1"/>
+          </a:solidFill>
+          <a:ln w="12700" cap="flat" cmpd="sng" algn="ctr">
+            <a:noFill/>
+            <a:prstDash val="solid"/>
+            <a:miter lim="800000"/>
+          </a:ln>
+          <a:effectLst/>
+        </p:spPr>
+        <p:txBody>
+          <a:bodyPr rtlCol="0" anchor="ctr"/>
+          <a:lstStyle/>
+          <a:p>
+            <a:endParaRPr lang="zh-TW" altLang="en-US"/>
+          </a:p>
+        </p:txBody>
+      </p:sp>
+      <p:graphicFrame>
+        <p:nvGraphicFramePr>
+          <p:cNvPr id="15" name="表格 14"/>
+          <p:cNvGraphicFramePr>
+            <a:graphicFrameLocks noGrp="1"/>
+          </p:cNvGraphicFramePr>
+          <p:nvPr>
+            <p:extLst>
+              <p:ext uri="{D42A27DB-BD31-4B8C-83A1-F6EECF244321}">
+                <p14:modId xmlns:p14="http://schemas.microsoft.com/office/powerpoint/2010/main" val="1625801691"/>
+              </p:ext>
+            </p:extLst>
+          </p:nvPr>
+        </p:nvGraphicFramePr>
+        <p:xfrm>
+          <a:off x="290080" y="5878938"/>
+          <a:ext cx="6259333" cy="2011680"/>
+        </p:xfrm>
+        <a:graphic>
+          <a:graphicData uri="http://schemas.openxmlformats.org/drawingml/2006/table">
+            <a:tbl>
+              <a:tblPr bandRow="1">
+                <a:tableStyleId>{C083E6E3-FA7D-4D7B-A595-EF9225AFEA82}</a:tableStyleId>
+              </a:tblPr>
+              <a:tblGrid>
+                <a:gridCol w="2923259">
+                  <a:extLst>
+                    <a:ext uri="{9D8B030D-6E8A-4147-A177-3AD203B41FA5}">
+                      <a16:colId xmlns:a16="http://schemas.microsoft.com/office/drawing/2014/main" val="976984716"/>
+                    </a:ext>
+                  </a:extLst>
+                </a:gridCol>
+                <a:gridCol w="3336074">
+                  <a:extLst>
+                    <a:ext uri="{9D8B030D-6E8A-4147-A177-3AD203B41FA5}">
+                      <a16:colId xmlns:a16="http://schemas.microsoft.com/office/drawing/2014/main" val="2156602292"/>
+                    </a:ext>
+                  </a:extLst>
+                </a:gridCol>
+              </a:tblGrid>
+              <a:tr h="238886">
+                <a:tc>
+                  <a:txBody>
+                    <a:bodyPr/>
+                    <a:lstStyle/>
+                    <a:p>
+                      <a:pPr marL="0" marR="0" indent="0" algn="l" defTabSz="685800" rtl="0" eaLnBrk="1" fontAlgn="auto" latinLnBrk="0" hangingPunct="1">
+                        <a:lnSpc>
+                          <a:spcPct val="100000"/>
+                        </a:lnSpc>
+                        <a:spcBef>
+                          <a:spcPts val="0"/>
+                        </a:spcBef>
+                        <a:spcAft>
+                          <a:spcPts val="0"/>
+                        </a:spcAft>
+                        <a:buClrTx/>
+                        <a:buSzTx/>
+                        <a:buFontTx/>
+                        <a:buNone/>
+                        <a:tabLst/>
+                        <a:defRPr/>
+                      </a:pPr>
+                      <a:r>
+                        <a:rPr lang="en-US" altLang="zh-TW" sz="1050" b="1" dirty="0" smtClean="0">
+                          <a:latin typeface="Georgia" panose="02040502050405020303" pitchFamily="18" charset="0"/>
+                        </a:rPr>
+                        <a:t>Website Design and Develop</a:t>
+                      </a:r>
+                    </a:p>
+                  </a:txBody>
+                  <a:tcPr anchor="ctr"/>
+                </a:tc>
+                <a:tc>
+                  <a:txBody>
+                    <a:bodyPr/>
+                    <a:lstStyle/>
+                    <a:p>
+                      <a:pPr marL="0" marR="0" indent="0" algn="r" defTabSz="685800" rtl="0" eaLnBrk="1" fontAlgn="auto" latinLnBrk="0" hangingPunct="1">
+                        <a:lnSpc>
+                          <a:spcPct val="100000"/>
+                        </a:lnSpc>
+                        <a:spcBef>
+                          <a:spcPts val="0"/>
+                        </a:spcBef>
+                        <a:spcAft>
+                          <a:spcPts val="0"/>
+                        </a:spcAft>
+                        <a:buClrTx/>
+                        <a:buSzTx/>
+                        <a:buFontTx/>
+                        <a:buNone/>
+                        <a:tabLst/>
+                        <a:defRPr/>
+                      </a:pPr>
+                      <a:r>
+                        <a:rPr lang="en-US" altLang="zh-TW" sz="1050" dirty="0" smtClean="0">
+                          <a:latin typeface="Georgia" panose="02040502050405020303" pitchFamily="18" charset="0"/>
+                        </a:rPr>
+                        <a:t>Node.js(Server)</a:t>
+                      </a:r>
+                      <a:r>
+                        <a:rPr lang="en-US" altLang="zh-TW" sz="1050" baseline="0" dirty="0" smtClean="0">
+                          <a:latin typeface="Georgia" panose="02040502050405020303" pitchFamily="18" charset="0"/>
+                        </a:rPr>
+                        <a:t> + </a:t>
+                      </a:r>
+                      <a:r>
+                        <a:rPr lang="en-US" altLang="zh-TW" sz="1050" dirty="0" smtClean="0">
+                          <a:latin typeface="Georgia" panose="02040502050405020303" pitchFamily="18" charset="0"/>
+                        </a:rPr>
+                        <a:t>HTML, </a:t>
+                      </a:r>
+                      <a:r>
+                        <a:rPr lang="en-US" altLang="zh-TW" sz="1050" dirty="0" err="1" smtClean="0">
+                          <a:latin typeface="Georgia" panose="02040502050405020303" pitchFamily="18" charset="0"/>
+                        </a:rPr>
+                        <a:t>Javascript</a:t>
+                      </a:r>
+                      <a:r>
+                        <a:rPr lang="en-US" altLang="zh-TW" sz="1050" dirty="0" smtClean="0">
+                          <a:latin typeface="Georgia" panose="02040502050405020303" pitchFamily="18" charset="0"/>
+                        </a:rPr>
+                        <a:t>, CSS</a:t>
+                      </a:r>
+                    </a:p>
+                  </a:txBody>
+                  <a:tcPr anchor="ctr"/>
+                </a:tc>
+                <a:extLst>
+                  <a:ext uri="{0D108BD9-81ED-4DB2-BD59-A6C34878D82A}">
+                    <a16:rowId xmlns:a16="http://schemas.microsoft.com/office/drawing/2014/main" val="4102285105"/>
+                  </a:ext>
+                </a:extLst>
+              </a:tr>
+              <a:tr h="238886">
+                <a:tc>
+                  <a:txBody>
+                    <a:bodyPr/>
+                    <a:lstStyle/>
+                    <a:p>
+                      <a:pPr marL="0" marR="0" indent="0" algn="l" defTabSz="685800" rtl="0" eaLnBrk="1" fontAlgn="auto" latinLnBrk="0" hangingPunct="1">
+                        <a:lnSpc>
+                          <a:spcPct val="100000"/>
+                        </a:lnSpc>
+                        <a:spcBef>
+                          <a:spcPts val="0"/>
+                        </a:spcBef>
+                        <a:spcAft>
+                          <a:spcPts val="0"/>
+                        </a:spcAft>
+                        <a:buClrTx/>
+                        <a:buSzTx/>
+                        <a:buFontTx/>
+                        <a:buNone/>
+                        <a:tabLst/>
+                        <a:defRPr/>
+                      </a:pPr>
+                      <a:r>
+                        <a:rPr lang="en-US" altLang="zh-TW" sz="1050" b="1" dirty="0" smtClean="0">
+                          <a:latin typeface="Georgia" panose="02040502050405020303" pitchFamily="18" charset="0"/>
+                        </a:rPr>
+                        <a:t>Computer Vision</a:t>
+                      </a:r>
+                    </a:p>
+                  </a:txBody>
+                  <a:tcPr anchor="ctr"/>
+                </a:tc>
+                <a:tc>
+                  <a:txBody>
+                    <a:bodyPr/>
+                    <a:lstStyle/>
+                    <a:p>
+                      <a:pPr marL="0" marR="0" indent="0" algn="r" defTabSz="685800" rtl="0" eaLnBrk="1" fontAlgn="auto" latinLnBrk="0" hangingPunct="1">
+                        <a:lnSpc>
+                          <a:spcPct val="100000"/>
+                        </a:lnSpc>
+                        <a:spcBef>
+                          <a:spcPts val="0"/>
+                        </a:spcBef>
+                        <a:spcAft>
+                          <a:spcPts val="0"/>
+                        </a:spcAft>
+                        <a:buClrTx/>
+                        <a:buSzTx/>
+                        <a:buFontTx/>
+                        <a:buNone/>
+                        <a:tabLst/>
+                        <a:defRPr/>
+                      </a:pPr>
+                      <a:r>
+                        <a:rPr lang="en-US" altLang="zh-TW" sz="1050" dirty="0" smtClean="0">
+                          <a:latin typeface="Georgia" panose="02040502050405020303" pitchFamily="18" charset="0"/>
+                        </a:rPr>
+                        <a:t>C++ (or Python) with </a:t>
+                      </a:r>
+                      <a:r>
+                        <a:rPr lang="en-US" altLang="zh-TW" sz="1050" dirty="0" err="1" smtClean="0">
+                          <a:latin typeface="Georgia" panose="02040502050405020303" pitchFamily="18" charset="0"/>
+                        </a:rPr>
+                        <a:t>OpenCV</a:t>
+                      </a:r>
+                      <a:endParaRPr lang="en-US" altLang="zh-TW" sz="1050" dirty="0" smtClean="0">
+                        <a:latin typeface="Georgia" panose="02040502050405020303" pitchFamily="18" charset="0"/>
+                      </a:endParaRPr>
+                    </a:p>
+                  </a:txBody>
+                  <a:tcPr anchor="ctr"/>
+                </a:tc>
+                <a:extLst>
+                  <a:ext uri="{0D108BD9-81ED-4DB2-BD59-A6C34878D82A}">
+                    <a16:rowId xmlns:a16="http://schemas.microsoft.com/office/drawing/2014/main" val="4188598767"/>
+                  </a:ext>
+                </a:extLst>
+              </a:tr>
+              <a:tr h="238886">
+                <a:tc>
+                  <a:txBody>
+                    <a:bodyPr/>
+                    <a:lstStyle/>
+                    <a:p>
+                      <a:pPr marL="0" marR="0" indent="0" algn="l" defTabSz="685800" rtl="0" eaLnBrk="1" fontAlgn="auto" latinLnBrk="0" hangingPunct="1">
+                        <a:lnSpc>
+                          <a:spcPct val="100000"/>
+                        </a:lnSpc>
+                        <a:spcBef>
+                          <a:spcPts val="0"/>
+                        </a:spcBef>
+                        <a:spcAft>
+                          <a:spcPts val="0"/>
+                        </a:spcAft>
+                        <a:buClrTx/>
+                        <a:buSzTx/>
+                        <a:buFontTx/>
+                        <a:buNone/>
+                        <a:tabLst/>
+                        <a:defRPr/>
+                      </a:pPr>
+                      <a:r>
+                        <a:rPr lang="en-US" altLang="zh-TW" sz="1050" b="1" dirty="0" smtClean="0">
+                          <a:latin typeface="Georgia" panose="02040502050405020303" pitchFamily="18" charset="0"/>
+                        </a:rPr>
+                        <a:t>Network Programming</a:t>
+                      </a:r>
+                    </a:p>
+                  </a:txBody>
+                  <a:tcPr anchor="ctr"/>
+                </a:tc>
+                <a:tc>
+                  <a:txBody>
+                    <a:bodyPr/>
+                    <a:lstStyle/>
+                    <a:p>
+                      <a:pPr marL="0" marR="0" indent="0" algn="r" defTabSz="685800" rtl="0" eaLnBrk="1" fontAlgn="auto" latinLnBrk="0" hangingPunct="1">
+                        <a:lnSpc>
+                          <a:spcPct val="100000"/>
+                        </a:lnSpc>
+                        <a:spcBef>
+                          <a:spcPts val="0"/>
+                        </a:spcBef>
+                        <a:spcAft>
+                          <a:spcPts val="0"/>
+                        </a:spcAft>
+                        <a:buClrTx/>
+                        <a:buSzTx/>
+                        <a:buFontTx/>
+                        <a:buNone/>
+                        <a:tabLst/>
+                        <a:defRPr/>
+                      </a:pPr>
+                      <a:r>
+                        <a:rPr lang="en-US" altLang="zh-TW" sz="1050" dirty="0" smtClean="0">
+                          <a:latin typeface="Georgia" panose="02040502050405020303" pitchFamily="18" charset="0"/>
+                        </a:rPr>
+                        <a:t>Linux C</a:t>
+                      </a:r>
+                    </a:p>
+                  </a:txBody>
+                  <a:tcPr anchor="ctr"/>
+                </a:tc>
+                <a:extLst>
+                  <a:ext uri="{0D108BD9-81ED-4DB2-BD59-A6C34878D82A}">
+                    <a16:rowId xmlns:a16="http://schemas.microsoft.com/office/drawing/2014/main" val="540601192"/>
+                  </a:ext>
+                </a:extLst>
+              </a:tr>
+              <a:tr h="238886">
+                <a:tc>
+                  <a:txBody>
+                    <a:bodyPr/>
+                    <a:lstStyle/>
+                    <a:p>
+                      <a:pPr marL="0" marR="0" indent="0" algn="l" defTabSz="685800" rtl="0" eaLnBrk="1" fontAlgn="auto" latinLnBrk="0" hangingPunct="1">
+                        <a:lnSpc>
+                          <a:spcPct val="100000"/>
+                        </a:lnSpc>
+                        <a:spcBef>
+                          <a:spcPts val="0"/>
+                        </a:spcBef>
+                        <a:spcAft>
+                          <a:spcPts val="0"/>
+                        </a:spcAft>
+                        <a:buClrTx/>
+                        <a:buSzTx/>
+                        <a:buFontTx/>
+                        <a:buNone/>
+                        <a:tabLst/>
+                        <a:defRPr/>
+                      </a:pPr>
+                      <a:r>
+                        <a:rPr lang="en-US" altLang="zh-TW" sz="1050" b="1" dirty="0" smtClean="0">
+                          <a:latin typeface="Georgia" panose="02040502050405020303" pitchFamily="18" charset="0"/>
+                        </a:rPr>
+                        <a:t>Embedded System Development</a:t>
+                      </a:r>
+                    </a:p>
+                  </a:txBody>
+                  <a:tcPr anchor="ctr"/>
+                </a:tc>
+                <a:tc>
+                  <a:txBody>
+                    <a:bodyPr/>
+                    <a:lstStyle/>
+                    <a:p>
+                      <a:pPr marL="0" marR="0" indent="0" algn="r" defTabSz="685800" rtl="0" eaLnBrk="1" fontAlgn="auto" latinLnBrk="0" hangingPunct="1">
+                        <a:lnSpc>
+                          <a:spcPct val="100000"/>
+                        </a:lnSpc>
+                        <a:spcBef>
+                          <a:spcPts val="0"/>
+                        </a:spcBef>
+                        <a:spcAft>
+                          <a:spcPts val="0"/>
+                        </a:spcAft>
+                        <a:buClrTx/>
+                        <a:buSzTx/>
+                        <a:buFontTx/>
+                        <a:buNone/>
+                        <a:tabLst/>
+                        <a:defRPr/>
+                      </a:pPr>
+                      <a:r>
+                        <a:rPr lang="en-US" altLang="zh-TW" sz="1050" dirty="0" smtClean="0">
+                          <a:latin typeface="Georgia" panose="02040502050405020303" pitchFamily="18" charset="0"/>
+                        </a:rPr>
+                        <a:t>Linux C</a:t>
+                      </a:r>
+                      <a:r>
+                        <a:rPr lang="en-US" altLang="zh-TW" sz="1050" baseline="0" dirty="0" smtClean="0">
+                          <a:latin typeface="Georgia" panose="02040502050405020303" pitchFamily="18" charset="0"/>
+                        </a:rPr>
+                        <a:t> (or </a:t>
+                      </a:r>
+                      <a:r>
+                        <a:rPr lang="en-US" altLang="zh-TW" sz="1050" dirty="0" smtClean="0">
+                          <a:latin typeface="Georgia" panose="02040502050405020303" pitchFamily="18" charset="0"/>
+                        </a:rPr>
+                        <a:t>Python) with Raspberry pi</a:t>
+                      </a:r>
+                    </a:p>
+                  </a:txBody>
+                  <a:tcPr anchor="ctr"/>
+                </a:tc>
+                <a:extLst>
+                  <a:ext uri="{0D108BD9-81ED-4DB2-BD59-A6C34878D82A}">
+                    <a16:rowId xmlns:a16="http://schemas.microsoft.com/office/drawing/2014/main" val="3113746441"/>
+                  </a:ext>
+                </a:extLst>
+              </a:tr>
+              <a:tr h="238886">
+                <a:tc>
+                  <a:txBody>
+                    <a:bodyPr/>
+                    <a:lstStyle/>
+                    <a:p>
+                      <a:pPr marL="0" marR="0" indent="0" algn="l" defTabSz="685800" rtl="0" eaLnBrk="1" fontAlgn="auto" latinLnBrk="0" hangingPunct="1">
+                        <a:lnSpc>
+                          <a:spcPct val="100000"/>
+                        </a:lnSpc>
+                        <a:spcBef>
+                          <a:spcPts val="0"/>
+                        </a:spcBef>
+                        <a:spcAft>
+                          <a:spcPts val="0"/>
+                        </a:spcAft>
+                        <a:buClrTx/>
+                        <a:buSzTx/>
+                        <a:buFontTx/>
+                        <a:buNone/>
+                        <a:tabLst/>
+                        <a:defRPr/>
+                      </a:pPr>
+                      <a:r>
+                        <a:rPr lang="en-US" altLang="zh-TW" sz="1050" b="1" dirty="0" smtClean="0">
+                          <a:latin typeface="Georgia" panose="02040502050405020303" pitchFamily="18" charset="0"/>
+                        </a:rPr>
+                        <a:t>Database Management</a:t>
+                      </a:r>
+                    </a:p>
+                  </a:txBody>
+                  <a:tcPr anchor="ctr"/>
+                </a:tc>
+                <a:tc>
+                  <a:txBody>
+                    <a:bodyPr/>
+                    <a:lstStyle/>
+                    <a:p>
+                      <a:pPr marL="0" marR="0" indent="0" algn="r" defTabSz="685800" rtl="0" eaLnBrk="1" fontAlgn="auto" latinLnBrk="0" hangingPunct="1">
+                        <a:lnSpc>
+                          <a:spcPct val="100000"/>
+                        </a:lnSpc>
+                        <a:spcBef>
+                          <a:spcPts val="0"/>
+                        </a:spcBef>
+                        <a:spcAft>
+                          <a:spcPts val="0"/>
+                        </a:spcAft>
+                        <a:buClrTx/>
+                        <a:buSzTx/>
+                        <a:buFontTx/>
+                        <a:buNone/>
+                        <a:tabLst/>
+                        <a:defRPr/>
+                      </a:pPr>
+                      <a:r>
+                        <a:rPr lang="en-US" altLang="zh-TW" sz="1050" dirty="0" smtClean="0">
+                          <a:latin typeface="Georgia" panose="02040502050405020303" pitchFamily="18" charset="0"/>
+                        </a:rPr>
+                        <a:t>MongoDB, MySQL, PostgreSQL</a:t>
+                      </a:r>
+                    </a:p>
+                  </a:txBody>
+                  <a:tcPr anchor="ctr"/>
+                </a:tc>
+                <a:extLst>
+                  <a:ext uri="{0D108BD9-81ED-4DB2-BD59-A6C34878D82A}">
+                    <a16:rowId xmlns:a16="http://schemas.microsoft.com/office/drawing/2014/main" val="1198750005"/>
+                  </a:ext>
+                </a:extLst>
+              </a:tr>
+              <a:tr h="238886">
+                <a:tc>
+                  <a:txBody>
+                    <a:bodyPr/>
+                    <a:lstStyle/>
+                    <a:p>
+                      <a:pPr marL="0" marR="0" indent="0" algn="l" defTabSz="685800" rtl="0" eaLnBrk="1" fontAlgn="auto" latinLnBrk="0" hangingPunct="1">
+                        <a:lnSpc>
+                          <a:spcPct val="100000"/>
+                        </a:lnSpc>
+                        <a:spcBef>
+                          <a:spcPts val="0"/>
+                        </a:spcBef>
+                        <a:spcAft>
+                          <a:spcPts val="0"/>
+                        </a:spcAft>
+                        <a:buClrTx/>
+                        <a:buSzTx/>
+                        <a:buFontTx/>
+                        <a:buNone/>
+                        <a:tabLst/>
+                        <a:defRPr/>
+                      </a:pPr>
+                      <a:r>
+                        <a:rPr lang="en-US" altLang="zh-TW" sz="1050" b="1" dirty="0" smtClean="0">
+                          <a:latin typeface="Georgia" panose="02040502050405020303" pitchFamily="18" charset="0"/>
+                        </a:rPr>
+                        <a:t>Communication Simulation</a:t>
+                      </a:r>
+                    </a:p>
+                  </a:txBody>
+                  <a:tcPr anchor="ctr"/>
+                </a:tc>
+                <a:tc>
+                  <a:txBody>
+                    <a:bodyPr/>
+                    <a:lstStyle/>
+                    <a:p>
+                      <a:pPr marL="0" marR="0" indent="0" algn="r" defTabSz="685800" rtl="0" eaLnBrk="1" fontAlgn="auto" latinLnBrk="0" hangingPunct="1">
+                        <a:lnSpc>
+                          <a:spcPct val="100000"/>
+                        </a:lnSpc>
+                        <a:spcBef>
+                          <a:spcPts val="0"/>
+                        </a:spcBef>
+                        <a:spcAft>
+                          <a:spcPts val="0"/>
+                        </a:spcAft>
+                        <a:buClrTx/>
+                        <a:buSzTx/>
+                        <a:buFontTx/>
+                        <a:buNone/>
+                        <a:tabLst/>
+                        <a:defRPr/>
+                      </a:pPr>
+                      <a:r>
+                        <a:rPr lang="en-US" altLang="zh-TW" sz="1050" dirty="0" err="1" smtClean="0">
+                          <a:latin typeface="Georgia" panose="02040502050405020303" pitchFamily="18" charset="0"/>
+                        </a:rPr>
+                        <a:t>Matlab</a:t>
+                      </a:r>
+                      <a:endParaRPr lang="en-US" altLang="zh-TW" sz="1050" dirty="0" smtClean="0">
+                        <a:latin typeface="Georgia" panose="02040502050405020303" pitchFamily="18" charset="0"/>
+                      </a:endParaRPr>
+                    </a:p>
+                  </a:txBody>
+                  <a:tcPr anchor="ctr"/>
+                </a:tc>
+                <a:extLst>
+                  <a:ext uri="{0D108BD9-81ED-4DB2-BD59-A6C34878D82A}">
+                    <a16:rowId xmlns:a16="http://schemas.microsoft.com/office/drawing/2014/main" val="4207686609"/>
+                  </a:ext>
+                </a:extLst>
+              </a:tr>
+              <a:tr h="238886">
+                <a:tc>
+                  <a:txBody>
+                    <a:bodyPr/>
+                    <a:lstStyle/>
+                    <a:p>
+                      <a:pPr marL="0" marR="0" indent="0" algn="l" defTabSz="685800" rtl="0" eaLnBrk="1" fontAlgn="auto" latinLnBrk="0" hangingPunct="1">
+                        <a:lnSpc>
+                          <a:spcPct val="100000"/>
+                        </a:lnSpc>
+                        <a:spcBef>
+                          <a:spcPts val="0"/>
+                        </a:spcBef>
+                        <a:spcAft>
+                          <a:spcPts val="0"/>
+                        </a:spcAft>
+                        <a:buClrTx/>
+                        <a:buSzTx/>
+                        <a:buFontTx/>
+                        <a:buNone/>
+                        <a:tabLst/>
+                        <a:defRPr/>
+                      </a:pPr>
+                      <a:r>
+                        <a:rPr lang="en-US" altLang="zh-TW" sz="1050" b="1" dirty="0" err="1" smtClean="0">
+                          <a:latin typeface="Georgia" panose="02040502050405020303" pitchFamily="18" charset="0"/>
+                        </a:rPr>
+                        <a:t>Blockchain</a:t>
+                      </a:r>
+                      <a:r>
+                        <a:rPr lang="en-US" altLang="zh-TW" sz="1050" b="1" dirty="0" smtClean="0">
+                          <a:latin typeface="Georgia" panose="02040502050405020303" pitchFamily="18" charset="0"/>
+                        </a:rPr>
+                        <a:t> Technology</a:t>
+                      </a:r>
+                    </a:p>
+                  </a:txBody>
+                  <a:tcPr anchor="ctr"/>
+                </a:tc>
+                <a:tc>
+                  <a:txBody>
+                    <a:bodyPr/>
+                    <a:lstStyle/>
+                    <a:p>
+                      <a:pPr marL="0" marR="0" indent="0" algn="r" defTabSz="685800" rtl="0" eaLnBrk="1" fontAlgn="auto" latinLnBrk="0" hangingPunct="1">
+                        <a:lnSpc>
+                          <a:spcPct val="100000"/>
+                        </a:lnSpc>
+                        <a:spcBef>
+                          <a:spcPts val="0"/>
+                        </a:spcBef>
+                        <a:spcAft>
+                          <a:spcPts val="0"/>
+                        </a:spcAft>
+                        <a:buClrTx/>
+                        <a:buSzTx/>
+                        <a:buFontTx/>
+                        <a:buNone/>
+                        <a:tabLst/>
+                        <a:defRPr/>
+                      </a:pPr>
+                      <a:r>
+                        <a:rPr lang="en-US" altLang="zh-TW" sz="1050" dirty="0" smtClean="0">
+                          <a:latin typeface="Georgia" panose="02040502050405020303" pitchFamily="18" charset="0"/>
+                        </a:rPr>
+                        <a:t>Go language with </a:t>
+                      </a:r>
+                      <a:r>
+                        <a:rPr lang="en-US" altLang="zh-TW" sz="1050" dirty="0" err="1" smtClean="0">
+                          <a:latin typeface="Georgia" panose="02040502050405020303" pitchFamily="18" charset="0"/>
+                        </a:rPr>
+                        <a:t>Hyperledger</a:t>
+                      </a:r>
+                      <a:endParaRPr lang="en-US" altLang="zh-TW" sz="1050" dirty="0" smtClean="0">
+                        <a:latin typeface="Georgia" panose="02040502050405020303" pitchFamily="18" charset="0"/>
+                      </a:endParaRPr>
+                    </a:p>
+                  </a:txBody>
+                  <a:tcPr anchor="ctr"/>
+                </a:tc>
+                <a:extLst>
+                  <a:ext uri="{0D108BD9-81ED-4DB2-BD59-A6C34878D82A}">
+                    <a16:rowId xmlns:a16="http://schemas.microsoft.com/office/drawing/2014/main" val="2613555953"/>
+                  </a:ext>
+                </a:extLst>
+              </a:tr>
+              <a:tr h="238886">
+                <a:tc>
+                  <a:txBody>
+                    <a:bodyPr/>
+                    <a:lstStyle/>
+                    <a:p>
+                      <a:pPr marL="0" marR="0" indent="0" algn="l" defTabSz="685800" rtl="0" eaLnBrk="1" fontAlgn="auto" latinLnBrk="0" hangingPunct="1">
+                        <a:lnSpc>
+                          <a:spcPct val="100000"/>
+                        </a:lnSpc>
+                        <a:spcBef>
+                          <a:spcPts val="0"/>
+                        </a:spcBef>
+                        <a:spcAft>
+                          <a:spcPts val="0"/>
+                        </a:spcAft>
+                        <a:buClrTx/>
+                        <a:buSzTx/>
+                        <a:buFontTx/>
+                        <a:buNone/>
+                        <a:tabLst/>
+                        <a:defRPr/>
+                      </a:pPr>
+                      <a:r>
+                        <a:rPr lang="en-US" altLang="zh-TW" sz="1050" b="1" dirty="0" smtClean="0">
+                          <a:latin typeface="Georgia" panose="02040502050405020303" pitchFamily="18" charset="0"/>
+                        </a:rPr>
+                        <a:t>Linux (UNIX) Operation</a:t>
+                      </a:r>
+                    </a:p>
+                  </a:txBody>
+                  <a:tcPr anchor="ctr"/>
+                </a:tc>
+                <a:tc>
+                  <a:txBody>
+                    <a:bodyPr/>
+                    <a:lstStyle/>
+                    <a:p>
+                      <a:pPr marL="0" marR="0" indent="0" algn="r" defTabSz="685800" rtl="0" eaLnBrk="1" fontAlgn="auto" latinLnBrk="0" hangingPunct="1">
+                        <a:lnSpc>
+                          <a:spcPct val="100000"/>
+                        </a:lnSpc>
+                        <a:spcBef>
+                          <a:spcPts val="0"/>
+                        </a:spcBef>
+                        <a:spcAft>
+                          <a:spcPts val="0"/>
+                        </a:spcAft>
+                        <a:buClrTx/>
+                        <a:buSzTx/>
+                        <a:buFontTx/>
+                        <a:buNone/>
+                        <a:tabLst/>
+                        <a:defRPr/>
+                      </a:pPr>
+                      <a:r>
+                        <a:rPr lang="en-US" altLang="zh-TW" sz="1050" dirty="0" smtClean="0">
+                          <a:latin typeface="Georgia" panose="02040502050405020303" pitchFamily="18" charset="0"/>
+                        </a:rPr>
+                        <a:t>Basic operation</a:t>
+                      </a:r>
+                    </a:p>
+                  </a:txBody>
+                  <a:tcPr anchor="ctr"/>
+                </a:tc>
+                <a:extLst>
+                  <a:ext uri="{0D108BD9-81ED-4DB2-BD59-A6C34878D82A}">
+                    <a16:rowId xmlns:a16="http://schemas.microsoft.com/office/drawing/2014/main" val="1388894032"/>
                   </a:ext>
                 </a:extLst>
               </a:tr>

--- a/File/Resume_v3(ENG).pptx
+++ b/File/Resume_v3(ENG).pptx
@@ -243,7 +243,7 @@
           <a:p>
             <a:fld id="{D5F3CDC1-7B12-4134-A5C4-51E3D4EC3889}" type="datetimeFigureOut">
               <a:rPr lang="zh-TW" altLang="en-US" smtClean="0"/>
-              <a:t>2020/2/10</a:t>
+              <a:t>2020/2/11</a:t>
             </a:fld>
             <a:endParaRPr lang="zh-TW" altLang="en-US"/>
           </a:p>
@@ -413,7 +413,7 @@
           <a:p>
             <a:fld id="{D5F3CDC1-7B12-4134-A5C4-51E3D4EC3889}" type="datetimeFigureOut">
               <a:rPr lang="zh-TW" altLang="en-US" smtClean="0"/>
-              <a:t>2020/2/10</a:t>
+              <a:t>2020/2/11</a:t>
             </a:fld>
             <a:endParaRPr lang="zh-TW" altLang="en-US"/>
           </a:p>
@@ -593,7 +593,7 @@
           <a:p>
             <a:fld id="{D5F3CDC1-7B12-4134-A5C4-51E3D4EC3889}" type="datetimeFigureOut">
               <a:rPr lang="zh-TW" altLang="en-US" smtClean="0"/>
-              <a:t>2020/2/10</a:t>
+              <a:t>2020/2/11</a:t>
             </a:fld>
             <a:endParaRPr lang="zh-TW" altLang="en-US"/>
           </a:p>
@@ -763,7 +763,7 @@
           <a:p>
             <a:fld id="{D5F3CDC1-7B12-4134-A5C4-51E3D4EC3889}" type="datetimeFigureOut">
               <a:rPr lang="zh-TW" altLang="en-US" smtClean="0"/>
-              <a:t>2020/2/10</a:t>
+              <a:t>2020/2/11</a:t>
             </a:fld>
             <a:endParaRPr lang="zh-TW" altLang="en-US"/>
           </a:p>
@@ -1007,7 +1007,7 @@
           <a:p>
             <a:fld id="{D5F3CDC1-7B12-4134-A5C4-51E3D4EC3889}" type="datetimeFigureOut">
               <a:rPr lang="zh-TW" altLang="en-US" smtClean="0"/>
-              <a:t>2020/2/10</a:t>
+              <a:t>2020/2/11</a:t>
             </a:fld>
             <a:endParaRPr lang="zh-TW" altLang="en-US"/>
           </a:p>
@@ -1239,7 +1239,7 @@
           <a:p>
             <a:fld id="{D5F3CDC1-7B12-4134-A5C4-51E3D4EC3889}" type="datetimeFigureOut">
               <a:rPr lang="zh-TW" altLang="en-US" smtClean="0"/>
-              <a:t>2020/2/10</a:t>
+              <a:t>2020/2/11</a:t>
             </a:fld>
             <a:endParaRPr lang="zh-TW" altLang="en-US"/>
           </a:p>
@@ -1606,7 +1606,7 @@
           <a:p>
             <a:fld id="{D5F3CDC1-7B12-4134-A5C4-51E3D4EC3889}" type="datetimeFigureOut">
               <a:rPr lang="zh-TW" altLang="en-US" smtClean="0"/>
-              <a:t>2020/2/10</a:t>
+              <a:t>2020/2/11</a:t>
             </a:fld>
             <a:endParaRPr lang="zh-TW" altLang="en-US"/>
           </a:p>
@@ -1724,7 +1724,7 @@
           <a:p>
             <a:fld id="{D5F3CDC1-7B12-4134-A5C4-51E3D4EC3889}" type="datetimeFigureOut">
               <a:rPr lang="zh-TW" altLang="en-US" smtClean="0"/>
-              <a:t>2020/2/10</a:t>
+              <a:t>2020/2/11</a:t>
             </a:fld>
             <a:endParaRPr lang="zh-TW" altLang="en-US"/>
           </a:p>
@@ -1819,7 +1819,7 @@
           <a:p>
             <a:fld id="{D5F3CDC1-7B12-4134-A5C4-51E3D4EC3889}" type="datetimeFigureOut">
               <a:rPr lang="zh-TW" altLang="en-US" smtClean="0"/>
-              <a:t>2020/2/10</a:t>
+              <a:t>2020/2/11</a:t>
             </a:fld>
             <a:endParaRPr lang="zh-TW" altLang="en-US"/>
           </a:p>
@@ -2096,7 +2096,7 @@
           <a:p>
             <a:fld id="{D5F3CDC1-7B12-4134-A5C4-51E3D4EC3889}" type="datetimeFigureOut">
               <a:rPr lang="zh-TW" altLang="en-US" smtClean="0"/>
-              <a:t>2020/2/10</a:t>
+              <a:t>2020/2/11</a:t>
             </a:fld>
             <a:endParaRPr lang="zh-TW" altLang="en-US"/>
           </a:p>
@@ -2353,7 +2353,7 @@
           <a:p>
             <a:fld id="{D5F3CDC1-7B12-4134-A5C4-51E3D4EC3889}" type="datetimeFigureOut">
               <a:rPr lang="zh-TW" altLang="en-US" smtClean="0"/>
-              <a:t>2020/2/10</a:t>
+              <a:t>2020/2/11</a:t>
             </a:fld>
             <a:endParaRPr lang="zh-TW" altLang="en-US"/>
           </a:p>
@@ -2566,7 +2566,7 @@
           <a:p>
             <a:fld id="{D5F3CDC1-7B12-4134-A5C4-51E3D4EC3889}" type="datetimeFigureOut">
               <a:rPr lang="zh-TW" altLang="en-US" smtClean="0"/>
-              <a:t>2020/2/10</a:t>
+              <a:t>2020/2/11</a:t>
             </a:fld>
             <a:endParaRPr lang="zh-TW" altLang="en-US"/>
           </a:p>
@@ -3718,7 +3718,7 @@
         <p:spPr>
           <a:xfrm>
             <a:off x="1809806" y="418203"/>
-            <a:ext cx="1917513" cy="246221"/>
+            <a:ext cx="1988045" cy="246221"/>
           </a:xfrm>
           <a:prstGeom prst="rect">
             <a:avLst/>
@@ -3736,7 +3736,7 @@
                 <a:latin typeface="Bahnschrift" panose="020B0502040204020203" pitchFamily="34" charset="0"/>
                 <a:cs typeface="Times New Roman" panose="02020603050405020304" pitchFamily="18" charset="0"/>
               </a:rPr>
-              <a:t>chenwy0806@gap.nthu.edu.tw</a:t>
+              <a:t>chenwy0806@gapp.nthu.edu.tw</a:t>
             </a:r>
             <a:endParaRPr lang="zh-TW" altLang="en-US" sz="1000" dirty="0">
               <a:latin typeface="Bahnschrift" panose="020B0502040204020203" pitchFamily="34" charset="0"/>
@@ -4435,7 +4435,7 @@
         <p:spPr>
           <a:xfrm>
             <a:off x="290080" y="8048098"/>
-            <a:ext cx="1691358" cy="269241"/>
+            <a:ext cx="996853" cy="269241"/>
           </a:xfrm>
           <a:prstGeom prst="rect">
             <a:avLst/>
@@ -4470,7 +4470,7 @@
                 <a:ea typeface="SimSun" panose="02010600030101010101" pitchFamily="2" charset="-122"/>
                 <a:cs typeface="SimSun" panose="02010600030101010101" pitchFamily="2" charset="-122"/>
               </a:rPr>
-              <a:t>AUTOBIOGRAPHY</a:t>
+              <a:t>PROJECTS</a:t>
             </a:r>
             <a:endParaRPr lang="zh-TW" sz="1100" b="1" dirty="0">
               <a:solidFill>
@@ -4603,19 +4603,31 @@
               <a:rPr lang="en-US" altLang="zh-TW" sz="1050" dirty="0" smtClean="0">
                 <a:latin typeface="Georgia" panose="02040502050405020303" pitchFamily="18" charset="0"/>
               </a:rPr>
-              <a:t>Learn </a:t>
+              <a:t>Learn and Bring </a:t>
             </a:r>
             <a:r>
               <a:rPr lang="en-US" altLang="zh-TW" sz="1050" dirty="0" smtClean="0">
                 <a:latin typeface="Georgia" panose="02040502050405020303" pitchFamily="18" charset="0"/>
               </a:rPr>
-              <a:t>and </a:t>
+              <a:t>Benefits </a:t>
             </a:r>
             <a:r>
               <a:rPr lang="en-US" altLang="zh-TW" sz="1050" dirty="0" smtClean="0">
                 <a:latin typeface="Georgia" panose="02040502050405020303" pitchFamily="18" charset="0"/>
               </a:rPr>
-              <a:t>Bring Benefit to the Company</a:t>
+              <a:t>for</a:t>
+            </a:r>
+            <a:r>
+              <a:rPr lang="en-US" altLang="zh-TW" sz="1050" dirty="0" smtClean="0">
+                <a:latin typeface="Georgia" panose="02040502050405020303" pitchFamily="18" charset="0"/>
+              </a:rPr>
+              <a:t> </a:t>
+            </a:r>
+            <a:r>
+              <a:rPr lang="en-US" altLang="zh-TW" sz="1050" dirty="0" smtClean="0">
+                <a:latin typeface="Georgia" panose="02040502050405020303" pitchFamily="18" charset="0"/>
+              </a:rPr>
+              <a:t>the Company</a:t>
             </a:r>
             <a:endParaRPr lang="zh-TW" altLang="en-US" sz="1050" dirty="0">
               <a:latin typeface="Georgia" panose="02040502050405020303" pitchFamily="18" charset="0"/>
@@ -4801,23 +4813,8 @@
                           </a:solidFill>
                           <a:latin typeface="Georgia" panose="02040502050405020303" pitchFamily="18" charset="0"/>
                         </a:rPr>
-                        <a:t> Tsing Hua </a:t>
+                        <a:t> Tsing Hua University (GPA 4.08)</a:t>
                       </a:r>
-                      <a:r>
-                        <a:rPr lang="en-US" altLang="zh-TW" sz="1050" b="1" baseline="0" dirty="0" smtClean="0">
-                          <a:solidFill>
-                            <a:schemeClr val="tx1"/>
-                          </a:solidFill>
-                          <a:latin typeface="Georgia" panose="02040502050405020303" pitchFamily="18" charset="0"/>
-                        </a:rPr>
-                        <a:t>University (GPA 4.08)</a:t>
-                      </a:r>
-                      <a:endParaRPr lang="en-US" altLang="zh-TW" sz="1050" b="1" baseline="0" dirty="0" smtClean="0">
-                        <a:solidFill>
-                          <a:schemeClr val="tx1"/>
-                        </a:solidFill>
-                        <a:latin typeface="Georgia" panose="02040502050405020303" pitchFamily="18" charset="0"/>
-                      </a:endParaRPr>
                     </a:p>
                     <a:p>
                       <a:r>
@@ -4886,16 +4883,7 @@
                           </a:solidFill>
                           <a:latin typeface="Georgia" panose="02040502050405020303" pitchFamily="18" charset="0"/>
                         </a:rPr>
-                        <a:t>Sep</a:t>
-                      </a:r>
-                      <a:r>
-                        <a:rPr lang="en-US" altLang="zh-TW" sz="1050" b="0" dirty="0" smtClean="0">
-                          <a:solidFill>
-                            <a:schemeClr val="tx1"/>
-                          </a:solidFill>
-                          <a:latin typeface="Georgia" panose="02040502050405020303" pitchFamily="18" charset="0"/>
-                        </a:rPr>
-                        <a:t>. 2019</a:t>
+                        <a:t>Sep. 2019</a:t>
                       </a:r>
                       <a:r>
                         <a:rPr lang="en-US" altLang="zh-TW" sz="1050" b="0" baseline="0" dirty="0" smtClean="0">
@@ -5069,12 +5057,6 @@
                         </a:rPr>
                         <a:t>University</a:t>
                       </a:r>
-                      <a:endParaRPr lang="en-US" altLang="zh-TW" sz="1050" b="1" baseline="0" dirty="0" smtClean="0">
-                        <a:solidFill>
-                          <a:schemeClr val="tx1"/>
-                        </a:solidFill>
-                        <a:latin typeface="Georgia" panose="02040502050405020303" pitchFamily="18" charset="0"/>
-                      </a:endParaRPr>
                     </a:p>
                     <a:p>
                       <a:r>
@@ -6319,6 +6301,535 @@
           </a:graphicData>
         </a:graphic>
       </p:graphicFrame>
+      <p:graphicFrame>
+        <p:nvGraphicFramePr>
+          <p:cNvPr id="4" name="表格 3"/>
+          <p:cNvGraphicFramePr>
+            <a:graphicFrameLocks noGrp="1"/>
+          </p:cNvGraphicFramePr>
+          <p:nvPr>
+            <p:extLst>
+              <p:ext uri="{D42A27DB-BD31-4B8C-83A1-F6EECF244321}">
+                <p14:modId xmlns:p14="http://schemas.microsoft.com/office/powerpoint/2010/main" val="722732549"/>
+              </p:ext>
+            </p:extLst>
+          </p:nvPr>
+        </p:nvGraphicFramePr>
+        <p:xfrm>
+          <a:off x="227633" y="8409257"/>
+          <a:ext cx="6380764" cy="1234440"/>
+        </p:xfrm>
+        <a:graphic>
+          <a:graphicData uri="http://schemas.openxmlformats.org/drawingml/2006/table">
+            <a:tbl>
+              <a:tblPr bandRow="1">
+                <a:tableStyleId>{5C22544A-7EE6-4342-B048-85BDC9FD1C3A}</a:tableStyleId>
+              </a:tblPr>
+              <a:tblGrid>
+                <a:gridCol w="305767">
+                  <a:extLst>
+                    <a:ext uri="{9D8B030D-6E8A-4147-A177-3AD203B41FA5}">
+                      <a16:colId xmlns:a16="http://schemas.microsoft.com/office/drawing/2014/main" val="501941470"/>
+                    </a:ext>
+                  </a:extLst>
+                </a:gridCol>
+                <a:gridCol w="6074997">
+                  <a:extLst>
+                    <a:ext uri="{9D8B030D-6E8A-4147-A177-3AD203B41FA5}">
+                      <a16:colId xmlns:a16="http://schemas.microsoft.com/office/drawing/2014/main" val="4115035694"/>
+                    </a:ext>
+                  </a:extLst>
+                </a:gridCol>
+              </a:tblGrid>
+              <a:tr h="370840">
+                <a:tc>
+                  <a:txBody>
+                    <a:bodyPr/>
+                    <a:lstStyle/>
+                    <a:p>
+                      <a:pPr marL="171450" indent="-171450">
+                        <a:buFont typeface="Wingdings" panose="05000000000000000000" pitchFamily="2" charset="2"/>
+                        <a:buChar char="p"/>
+                      </a:pPr>
+                      <a:r>
+                        <a:rPr lang="en-US" altLang="zh-TW" sz="1050" baseline="0" dirty="0" smtClean="0"/>
+                        <a:t> </a:t>
+                      </a:r>
+                      <a:endParaRPr lang="zh-TW" altLang="en-US" sz="1050" dirty="0"/>
+                    </a:p>
+                  </a:txBody>
+                  <a:tcPr anchor="ctr">
+                    <a:lnL w="12700" cmpd="sng">
+                      <a:noFill/>
+                    </a:lnL>
+                    <a:lnR w="12700" cmpd="sng">
+                      <a:noFill/>
+                    </a:lnR>
+                    <a:lnT w="12700" cmpd="sng">
+                      <a:noFill/>
+                    </a:lnT>
+                    <a:lnB w="12700" cmpd="sng">
+                      <a:noFill/>
+                    </a:lnB>
+                    <a:lnTlToBr w="12700" cmpd="sng">
+                      <a:noFill/>
+                      <a:prstDash val="solid"/>
+                    </a:lnTlToBr>
+                    <a:lnBlToTr w="12700" cmpd="sng">
+                      <a:noFill/>
+                      <a:prstDash val="solid"/>
+                    </a:lnBlToTr>
+                    <a:noFill/>
+                  </a:tcPr>
+                </a:tc>
+                <a:tc>
+                  <a:txBody>
+                    <a:bodyPr/>
+                    <a:lstStyle/>
+                    <a:p>
+                      <a:pPr marL="0" marR="0" indent="0" algn="just" defTabSz="685800" rtl="0" eaLnBrk="1" fontAlgn="auto" latinLnBrk="0" hangingPunct="1">
+                        <a:lnSpc>
+                          <a:spcPct val="100000"/>
+                        </a:lnSpc>
+                        <a:spcBef>
+                          <a:spcPts val="0"/>
+                        </a:spcBef>
+                        <a:spcAft>
+                          <a:spcPts val="0"/>
+                        </a:spcAft>
+                        <a:buClrTx/>
+                        <a:buSzTx/>
+                        <a:buFontTx/>
+                        <a:buNone/>
+                        <a:tabLst/>
+                        <a:defRPr/>
+                      </a:pPr>
+                      <a:r>
+                        <a:rPr lang="en-US" altLang="zh-TW" sz="1050" b="1" dirty="0" err="1" smtClean="0">
+                          <a:latin typeface="Georgia" panose="02040502050405020303" pitchFamily="18" charset="0"/>
+                        </a:rPr>
+                        <a:t>HyperQL</a:t>
+                      </a:r>
+                      <a:r>
+                        <a:rPr lang="en-US" altLang="zh-TW" sz="1050" b="1" dirty="0" smtClean="0">
+                          <a:latin typeface="Georgia" panose="02040502050405020303" pitchFamily="18" charset="0"/>
+                        </a:rPr>
+                        <a:t> Architecture for </a:t>
+                      </a:r>
+                      <a:r>
+                        <a:rPr lang="en-US" altLang="zh-TW" sz="1050" b="1" dirty="0" err="1" smtClean="0">
+                          <a:latin typeface="Georgia" panose="02040502050405020303" pitchFamily="18" charset="0"/>
+                        </a:rPr>
+                        <a:t>Blockchain</a:t>
+                      </a:r>
+                      <a:r>
+                        <a:rPr lang="en-US" altLang="zh-TW" sz="1050" b="1" dirty="0" smtClean="0">
+                          <a:latin typeface="Georgia" panose="02040502050405020303" pitchFamily="18" charset="0"/>
+                        </a:rPr>
+                        <a:t> System</a:t>
+                      </a:r>
+                      <a:r>
+                        <a:rPr lang="en-US" altLang="zh-TW" sz="1050" dirty="0" smtClean="0">
+                          <a:latin typeface="Georgia" panose="02040502050405020303" pitchFamily="18" charset="0"/>
+                        </a:rPr>
+                        <a:t> (2020). </a:t>
+                      </a:r>
+                      <a:r>
+                        <a:rPr lang="en-US" altLang="zh-TW" sz="1050" u="sng" dirty="0" smtClean="0">
+                          <a:latin typeface="Georgia" panose="02040502050405020303" pitchFamily="18" charset="0"/>
+                        </a:rPr>
+                        <a:t>Design a </a:t>
+                      </a:r>
+                      <a:r>
+                        <a:rPr lang="en-US" altLang="zh-TW" sz="1050" u="sng" dirty="0" err="1" smtClean="0">
+                          <a:latin typeface="Georgia" panose="02040502050405020303" pitchFamily="18" charset="0"/>
+                        </a:rPr>
+                        <a:t>HyperQL</a:t>
+                      </a:r>
+                      <a:r>
+                        <a:rPr lang="en-US" altLang="zh-TW" sz="1050" u="sng" dirty="0" smtClean="0">
+                          <a:latin typeface="Georgia" panose="02040502050405020303" pitchFamily="18" charset="0"/>
+                        </a:rPr>
+                        <a:t> architecture to accelerate the data query speed of the </a:t>
+                      </a:r>
+                      <a:r>
+                        <a:rPr lang="en-US" altLang="zh-TW" sz="1050" u="sng" dirty="0" err="1" smtClean="0">
+                          <a:latin typeface="Georgia" panose="02040502050405020303" pitchFamily="18" charset="0"/>
+                        </a:rPr>
+                        <a:t>blockchain</a:t>
+                      </a:r>
+                      <a:r>
+                        <a:rPr lang="en-US" altLang="zh-TW" sz="1050" u="sng" dirty="0" smtClean="0">
+                          <a:latin typeface="Georgia" panose="02040502050405020303" pitchFamily="18" charset="0"/>
+                        </a:rPr>
+                        <a:t> system.</a:t>
+                      </a:r>
+                      <a:r>
+                        <a:rPr lang="en-US" altLang="zh-TW" sz="1050" dirty="0" smtClean="0">
+                          <a:latin typeface="Georgia" panose="02040502050405020303" pitchFamily="18" charset="0"/>
+                        </a:rPr>
+                        <a:t>  </a:t>
+                      </a:r>
+                      <a:r>
+                        <a:rPr lang="en-US" altLang="zh-TW" sz="1050" dirty="0" err="1" smtClean="0">
+                          <a:latin typeface="Georgia" panose="02040502050405020303" pitchFamily="18" charset="0"/>
+                        </a:rPr>
+                        <a:t>Golang</a:t>
+                      </a:r>
+                      <a:r>
+                        <a:rPr lang="en-US" altLang="zh-TW" sz="1050" dirty="0" smtClean="0">
+                          <a:latin typeface="Georgia" panose="02040502050405020303" pitchFamily="18" charset="0"/>
+                        </a:rPr>
+                        <a:t>, </a:t>
+                      </a:r>
+                      <a:r>
+                        <a:rPr lang="en-US" altLang="zh-TW" sz="1050" dirty="0" err="1" smtClean="0">
+                          <a:latin typeface="Georgia" panose="02040502050405020303" pitchFamily="18" charset="0"/>
+                        </a:rPr>
+                        <a:t>Hyperledger</a:t>
+                      </a:r>
+                      <a:r>
+                        <a:rPr lang="en-US" altLang="zh-TW" sz="1050" dirty="0" smtClean="0">
+                          <a:latin typeface="Georgia" panose="02040502050405020303" pitchFamily="18" charset="0"/>
+                        </a:rPr>
+                        <a:t> Fabric</a:t>
+                      </a:r>
+                    </a:p>
+                  </a:txBody>
+                  <a:tcPr anchor="ctr">
+                    <a:lnL w="12700" cmpd="sng">
+                      <a:noFill/>
+                    </a:lnL>
+                    <a:lnR w="12700" cmpd="sng">
+                      <a:noFill/>
+                    </a:lnR>
+                    <a:lnT w="12700" cmpd="sng">
+                      <a:noFill/>
+                    </a:lnT>
+                    <a:lnB w="12700" cmpd="sng">
+                      <a:noFill/>
+                    </a:lnB>
+                    <a:lnTlToBr w="12700" cmpd="sng">
+                      <a:noFill/>
+                      <a:prstDash val="solid"/>
+                    </a:lnTlToBr>
+                    <a:lnBlToTr w="12700" cmpd="sng">
+                      <a:noFill/>
+                      <a:prstDash val="solid"/>
+                    </a:lnBlToTr>
+                    <a:noFill/>
+                  </a:tcPr>
+                </a:tc>
+                <a:extLst>
+                  <a:ext uri="{0D108BD9-81ED-4DB2-BD59-A6C34878D82A}">
+                    <a16:rowId xmlns:a16="http://schemas.microsoft.com/office/drawing/2014/main" val="2263861055"/>
+                  </a:ext>
+                </a:extLst>
+              </a:tr>
+              <a:tr h="370840">
+                <a:tc>
+                  <a:txBody>
+                    <a:bodyPr/>
+                    <a:lstStyle/>
+                    <a:p>
+                      <a:pPr marL="171450" indent="-171450">
+                        <a:buFont typeface="Wingdings" panose="05000000000000000000" pitchFamily="2" charset="2"/>
+                        <a:buChar char="p"/>
+                      </a:pPr>
+                      <a:r>
+                        <a:rPr lang="en-US" altLang="zh-TW" sz="1050" baseline="0" dirty="0" smtClean="0"/>
+                        <a:t> </a:t>
+                      </a:r>
+                      <a:endParaRPr lang="zh-TW" altLang="en-US" sz="1050" dirty="0"/>
+                    </a:p>
+                  </a:txBody>
+                  <a:tcPr anchor="ctr">
+                    <a:lnL w="12700" cmpd="sng">
+                      <a:noFill/>
+                    </a:lnL>
+                    <a:lnR w="12700" cmpd="sng">
+                      <a:noFill/>
+                    </a:lnR>
+                    <a:lnT w="12700" cmpd="sng">
+                      <a:noFill/>
+                    </a:lnT>
+                    <a:lnB w="12700" cmpd="sng">
+                      <a:noFill/>
+                    </a:lnB>
+                    <a:lnTlToBr w="12700" cmpd="sng">
+                      <a:noFill/>
+                      <a:prstDash val="solid"/>
+                    </a:lnTlToBr>
+                    <a:lnBlToTr w="12700" cmpd="sng">
+                      <a:noFill/>
+                      <a:prstDash val="solid"/>
+                    </a:lnBlToTr>
+                    <a:noFill/>
+                  </a:tcPr>
+                </a:tc>
+                <a:tc>
+                  <a:txBody>
+                    <a:bodyPr/>
+                    <a:lstStyle/>
+                    <a:p>
+                      <a:pPr marL="0" marR="0" indent="0" algn="just" defTabSz="685800" rtl="0" eaLnBrk="1" fontAlgn="auto" latinLnBrk="0" hangingPunct="1">
+                        <a:lnSpc>
+                          <a:spcPct val="100000"/>
+                        </a:lnSpc>
+                        <a:spcBef>
+                          <a:spcPts val="0"/>
+                        </a:spcBef>
+                        <a:spcAft>
+                          <a:spcPts val="0"/>
+                        </a:spcAft>
+                        <a:buClrTx/>
+                        <a:buSzTx/>
+                        <a:buFontTx/>
+                        <a:buNone/>
+                        <a:tabLst/>
+                        <a:defRPr/>
+                      </a:pPr>
+                      <a:r>
+                        <a:rPr lang="en-US" altLang="zh-TW" sz="1050" b="1" dirty="0" smtClean="0">
+                          <a:latin typeface="Georgia" panose="02040502050405020303" pitchFamily="18" charset="0"/>
+                        </a:rPr>
+                        <a:t>Web Page Login Using Face Recognition</a:t>
+                      </a:r>
+                      <a:r>
+                        <a:rPr lang="en-US" altLang="zh-TW" sz="1050" dirty="0" smtClean="0">
+                          <a:latin typeface="Georgia" panose="02040502050405020303" pitchFamily="18" charset="0"/>
+                        </a:rPr>
+                        <a:t> (2018). </a:t>
+                      </a:r>
+                      <a:r>
+                        <a:rPr lang="en-US" altLang="zh-TW" sz="1050" u="sng" dirty="0" smtClean="0">
+                          <a:latin typeface="Georgia" panose="02040502050405020303" pitchFamily="18" charset="0"/>
+                        </a:rPr>
+                        <a:t>Create a website that can log in using face recognition in order to save time and keep security.</a:t>
+                      </a:r>
+                      <a:r>
+                        <a:rPr lang="en-US" altLang="zh-TW" sz="1050" dirty="0" smtClean="0">
+                          <a:latin typeface="Georgia" panose="02040502050405020303" pitchFamily="18" charset="0"/>
+                        </a:rPr>
+                        <a:t>  Node.js, C++, HTML, JQuery, Bootstrap</a:t>
+                      </a:r>
+                    </a:p>
+                  </a:txBody>
+                  <a:tcPr anchor="ctr">
+                    <a:lnL w="12700" cmpd="sng">
+                      <a:noFill/>
+                    </a:lnL>
+                    <a:lnR w="12700" cmpd="sng">
+                      <a:noFill/>
+                    </a:lnR>
+                    <a:lnT w="12700" cmpd="sng">
+                      <a:noFill/>
+                    </a:lnT>
+                    <a:lnB w="12700" cmpd="sng">
+                      <a:noFill/>
+                    </a:lnB>
+                    <a:lnTlToBr w="12700" cmpd="sng">
+                      <a:noFill/>
+                      <a:prstDash val="solid"/>
+                    </a:lnTlToBr>
+                    <a:lnBlToTr w="12700" cmpd="sng">
+                      <a:noFill/>
+                      <a:prstDash val="solid"/>
+                    </a:lnBlToTr>
+                    <a:noFill/>
+                  </a:tcPr>
+                </a:tc>
+                <a:extLst>
+                  <a:ext uri="{0D108BD9-81ED-4DB2-BD59-A6C34878D82A}">
+                    <a16:rowId xmlns:a16="http://schemas.microsoft.com/office/drawing/2014/main" val="1775118720"/>
+                  </a:ext>
+                </a:extLst>
+              </a:tr>
+              <a:tr h="370840">
+                <a:tc>
+                  <a:txBody>
+                    <a:bodyPr/>
+                    <a:lstStyle/>
+                    <a:p>
+                      <a:pPr marL="171450" indent="-171450">
+                        <a:buFont typeface="Wingdings" panose="05000000000000000000" pitchFamily="2" charset="2"/>
+                        <a:buChar char="p"/>
+                      </a:pPr>
+                      <a:r>
+                        <a:rPr lang="en-US" altLang="zh-TW" sz="1050" dirty="0" smtClean="0"/>
+                        <a:t> </a:t>
+                      </a:r>
+                      <a:endParaRPr lang="zh-TW" altLang="en-US" sz="1050" dirty="0"/>
+                    </a:p>
+                  </a:txBody>
+                  <a:tcPr anchor="ctr">
+                    <a:lnL w="12700" cmpd="sng">
+                      <a:noFill/>
+                    </a:lnL>
+                    <a:lnR w="12700" cmpd="sng">
+                      <a:noFill/>
+                    </a:lnR>
+                    <a:lnT w="12700" cmpd="sng">
+                      <a:noFill/>
+                    </a:lnT>
+                    <a:lnB w="12700" cmpd="sng">
+                      <a:noFill/>
+                    </a:lnB>
+                    <a:lnTlToBr w="12700" cmpd="sng">
+                      <a:noFill/>
+                      <a:prstDash val="solid"/>
+                    </a:lnTlToBr>
+                    <a:lnBlToTr w="12700" cmpd="sng">
+                      <a:noFill/>
+                      <a:prstDash val="solid"/>
+                    </a:lnBlToTr>
+                    <a:noFill/>
+                  </a:tcPr>
+                </a:tc>
+                <a:tc>
+                  <a:txBody>
+                    <a:bodyPr/>
+                    <a:lstStyle/>
+                    <a:p>
+                      <a:pPr marL="0" marR="0" indent="0" algn="just" defTabSz="685800" rtl="0" eaLnBrk="1" fontAlgn="auto" latinLnBrk="0" hangingPunct="1">
+                        <a:lnSpc>
+                          <a:spcPct val="100000"/>
+                        </a:lnSpc>
+                        <a:spcBef>
+                          <a:spcPts val="0"/>
+                        </a:spcBef>
+                        <a:spcAft>
+                          <a:spcPts val="0"/>
+                        </a:spcAft>
+                        <a:buClrTx/>
+                        <a:buSzTx/>
+                        <a:buFontTx/>
+                        <a:buNone/>
+                        <a:tabLst/>
+                        <a:defRPr/>
+                      </a:pPr>
+                      <a:r>
+                        <a:rPr lang="en-US" altLang="zh-TW" sz="1050" b="1" dirty="0" smtClean="0">
+                          <a:latin typeface="Georgia" panose="02040502050405020303" pitchFamily="18" charset="0"/>
+                        </a:rPr>
+                        <a:t>VoIP Monitoring and Management Platform</a:t>
+                      </a:r>
+                      <a:r>
+                        <a:rPr lang="en-US" altLang="zh-TW" sz="1050" dirty="0" smtClean="0">
+                          <a:latin typeface="Georgia" panose="02040502050405020303" pitchFamily="18" charset="0"/>
+                        </a:rPr>
+                        <a:t> (2017). </a:t>
+                      </a:r>
+                      <a:r>
+                        <a:rPr lang="en-US" altLang="zh-TW" sz="1050" u="sng" dirty="0" smtClean="0">
+                          <a:latin typeface="Georgia" panose="02040502050405020303" pitchFamily="18" charset="0"/>
+                        </a:rPr>
+                        <a:t>Build a platform that provide users to monitor and manage VoIP phone calls.</a:t>
+                      </a:r>
+                      <a:r>
+                        <a:rPr lang="en-US" altLang="zh-TW" sz="1050" dirty="0" smtClean="0">
+                          <a:latin typeface="Georgia" panose="02040502050405020303" pitchFamily="18" charset="0"/>
+                        </a:rPr>
+                        <a:t>  Node.js, HTML, JQuery, Bootstrap</a:t>
+                      </a:r>
+                      <a:endParaRPr lang="zh-TW" altLang="en-US" sz="1050" dirty="0" smtClean="0">
+                        <a:latin typeface="Georgia" panose="02040502050405020303" pitchFamily="18" charset="0"/>
+                      </a:endParaRPr>
+                    </a:p>
+                  </a:txBody>
+                  <a:tcPr anchor="ctr">
+                    <a:lnL w="12700" cmpd="sng">
+                      <a:noFill/>
+                    </a:lnL>
+                    <a:lnR w="12700" cmpd="sng">
+                      <a:noFill/>
+                    </a:lnR>
+                    <a:lnT w="12700" cmpd="sng">
+                      <a:noFill/>
+                    </a:lnT>
+                    <a:lnB w="12700" cmpd="sng">
+                      <a:noFill/>
+                    </a:lnB>
+                    <a:lnTlToBr w="12700" cmpd="sng">
+                      <a:noFill/>
+                      <a:prstDash val="solid"/>
+                    </a:lnTlToBr>
+                    <a:lnBlToTr w="12700" cmpd="sng">
+                      <a:noFill/>
+                      <a:prstDash val="solid"/>
+                    </a:lnBlToTr>
+                    <a:noFill/>
+                  </a:tcPr>
+                </a:tc>
+                <a:extLst>
+                  <a:ext uri="{0D108BD9-81ED-4DB2-BD59-A6C34878D82A}">
+                    <a16:rowId xmlns:a16="http://schemas.microsoft.com/office/drawing/2014/main" val="2741856919"/>
+                  </a:ext>
+                </a:extLst>
+              </a:tr>
+            </a:tbl>
+          </a:graphicData>
+        </a:graphic>
+      </p:graphicFrame>
+      <p:cxnSp>
+        <p:nvCxnSpPr>
+          <p:cNvPr id="50" name="直接连接符 149"/>
+          <p:cNvCxnSpPr/>
+          <p:nvPr/>
+        </p:nvCxnSpPr>
+        <p:spPr>
+          <a:xfrm flipV="1">
+            <a:off x="287211" y="8369655"/>
+            <a:ext cx="6236755" cy="11662"/>
+          </a:xfrm>
+          <a:prstGeom prst="line">
+            <a:avLst/>
+          </a:prstGeom>
+          <a:noFill/>
+          <a:ln w="12700" cap="flat" cmpd="sng" algn="ctr">
+            <a:solidFill>
+              <a:sysClr val="window" lastClr="FFFFFF">
+                <a:lumMod val="65000"/>
+              </a:sysClr>
+            </a:solidFill>
+            <a:prstDash val="solid"/>
+            <a:miter lim="800000"/>
+          </a:ln>
+          <a:effectLst/>
+        </p:spPr>
+      </p:cxnSp>
+      <p:sp>
+        <p:nvSpPr>
+          <p:cNvPr id="51" name="矩形 50"/>
+          <p:cNvSpPr/>
+          <p:nvPr/>
+        </p:nvSpPr>
+        <p:spPr>
+          <a:xfrm>
+            <a:off x="292291" y="8363537"/>
+            <a:ext cx="707390" cy="45720"/>
+          </a:xfrm>
+          <a:prstGeom prst="rect">
+            <a:avLst/>
+          </a:prstGeom>
+          <a:solidFill>
+            <a:srgbClr val="8DAFB1"/>
+          </a:solidFill>
+          <a:ln w="12700" cap="flat" cmpd="sng" algn="ctr">
+            <a:noFill/>
+            <a:prstDash val="solid"/>
+            <a:miter lim="800000"/>
+          </a:ln>
+          <a:effectLst/>
+        </p:spPr>
+        <p:txBody>
+          <a:bodyPr rtlCol="0" anchor="ctr"/>
+          <a:lstStyle/>
+          <a:p>
+            <a:endParaRPr lang="zh-TW" altLang="en-US"/>
+          </a:p>
+        </p:txBody>
+      </p:sp>
     </p:spTree>
     <p:extLst>
       <p:ext uri="{BB962C8B-B14F-4D97-AF65-F5344CB8AC3E}">

--- a/File/Resume_v3(ENG).pptx
+++ b/File/Resume_v3(ENG).pptx
@@ -243,7 +243,7 @@
           <a:p>
             <a:fld id="{D5F3CDC1-7B12-4134-A5C4-51E3D4EC3889}" type="datetimeFigureOut">
               <a:rPr lang="zh-TW" altLang="en-US" smtClean="0"/>
-              <a:t>2020/2/11</a:t>
+              <a:t>2020/3/3</a:t>
             </a:fld>
             <a:endParaRPr lang="zh-TW" altLang="en-US"/>
           </a:p>
@@ -413,7 +413,7 @@
           <a:p>
             <a:fld id="{D5F3CDC1-7B12-4134-A5C4-51E3D4EC3889}" type="datetimeFigureOut">
               <a:rPr lang="zh-TW" altLang="en-US" smtClean="0"/>
-              <a:t>2020/2/11</a:t>
+              <a:t>2020/3/3</a:t>
             </a:fld>
             <a:endParaRPr lang="zh-TW" altLang="en-US"/>
           </a:p>
@@ -593,7 +593,7 @@
           <a:p>
             <a:fld id="{D5F3CDC1-7B12-4134-A5C4-51E3D4EC3889}" type="datetimeFigureOut">
               <a:rPr lang="zh-TW" altLang="en-US" smtClean="0"/>
-              <a:t>2020/2/11</a:t>
+              <a:t>2020/3/3</a:t>
             </a:fld>
             <a:endParaRPr lang="zh-TW" altLang="en-US"/>
           </a:p>
@@ -763,7 +763,7 @@
           <a:p>
             <a:fld id="{D5F3CDC1-7B12-4134-A5C4-51E3D4EC3889}" type="datetimeFigureOut">
               <a:rPr lang="zh-TW" altLang="en-US" smtClean="0"/>
-              <a:t>2020/2/11</a:t>
+              <a:t>2020/3/3</a:t>
             </a:fld>
             <a:endParaRPr lang="zh-TW" altLang="en-US"/>
           </a:p>
@@ -1007,7 +1007,7 @@
           <a:p>
             <a:fld id="{D5F3CDC1-7B12-4134-A5C4-51E3D4EC3889}" type="datetimeFigureOut">
               <a:rPr lang="zh-TW" altLang="en-US" smtClean="0"/>
-              <a:t>2020/2/11</a:t>
+              <a:t>2020/3/3</a:t>
             </a:fld>
             <a:endParaRPr lang="zh-TW" altLang="en-US"/>
           </a:p>
@@ -1239,7 +1239,7 @@
           <a:p>
             <a:fld id="{D5F3CDC1-7B12-4134-A5C4-51E3D4EC3889}" type="datetimeFigureOut">
               <a:rPr lang="zh-TW" altLang="en-US" smtClean="0"/>
-              <a:t>2020/2/11</a:t>
+              <a:t>2020/3/3</a:t>
             </a:fld>
             <a:endParaRPr lang="zh-TW" altLang="en-US"/>
           </a:p>
@@ -1606,7 +1606,7 @@
           <a:p>
             <a:fld id="{D5F3CDC1-7B12-4134-A5C4-51E3D4EC3889}" type="datetimeFigureOut">
               <a:rPr lang="zh-TW" altLang="en-US" smtClean="0"/>
-              <a:t>2020/2/11</a:t>
+              <a:t>2020/3/3</a:t>
             </a:fld>
             <a:endParaRPr lang="zh-TW" altLang="en-US"/>
           </a:p>
@@ -1724,7 +1724,7 @@
           <a:p>
             <a:fld id="{D5F3CDC1-7B12-4134-A5C4-51E3D4EC3889}" type="datetimeFigureOut">
               <a:rPr lang="zh-TW" altLang="en-US" smtClean="0"/>
-              <a:t>2020/2/11</a:t>
+              <a:t>2020/3/3</a:t>
             </a:fld>
             <a:endParaRPr lang="zh-TW" altLang="en-US"/>
           </a:p>
@@ -1819,7 +1819,7 @@
           <a:p>
             <a:fld id="{D5F3CDC1-7B12-4134-A5C4-51E3D4EC3889}" type="datetimeFigureOut">
               <a:rPr lang="zh-TW" altLang="en-US" smtClean="0"/>
-              <a:t>2020/2/11</a:t>
+              <a:t>2020/3/3</a:t>
             </a:fld>
             <a:endParaRPr lang="zh-TW" altLang="en-US"/>
           </a:p>
@@ -2096,7 +2096,7 @@
           <a:p>
             <a:fld id="{D5F3CDC1-7B12-4134-A5C4-51E3D4EC3889}" type="datetimeFigureOut">
               <a:rPr lang="zh-TW" altLang="en-US" smtClean="0"/>
-              <a:t>2020/2/11</a:t>
+              <a:t>2020/3/3</a:t>
             </a:fld>
             <a:endParaRPr lang="zh-TW" altLang="en-US"/>
           </a:p>
@@ -2353,7 +2353,7 @@
           <a:p>
             <a:fld id="{D5F3CDC1-7B12-4134-A5C4-51E3D4EC3889}" type="datetimeFigureOut">
               <a:rPr lang="zh-TW" altLang="en-US" smtClean="0"/>
-              <a:t>2020/2/11</a:t>
+              <a:t>2020/3/3</a:t>
             </a:fld>
             <a:endParaRPr lang="zh-TW" altLang="en-US"/>
           </a:p>
@@ -2566,7 +2566,7 @@
           <a:p>
             <a:fld id="{D5F3CDC1-7B12-4134-A5C4-51E3D4EC3889}" type="datetimeFigureOut">
               <a:rPr lang="zh-TW" altLang="en-US" smtClean="0"/>
-              <a:t>2020/2/11</a:t>
+              <a:t>2020/3/3</a:t>
             </a:fld>
             <a:endParaRPr lang="zh-TW" altLang="en-US"/>
           </a:p>
@@ -4552,7 +4552,7 @@
         <p:spPr>
           <a:xfrm>
             <a:off x="227633" y="1526561"/>
-            <a:ext cx="5011308" cy="428322"/>
+            <a:ext cx="4044697" cy="428322"/>
           </a:xfrm>
           <a:prstGeom prst="rect">
             <a:avLst/>
@@ -4576,13 +4576,19 @@
               <a:rPr lang="en-US" altLang="zh-TW" sz="1050" b="1" dirty="0" smtClean="0">
                 <a:latin typeface="Georgia" panose="02040502050405020303" pitchFamily="18" charset="0"/>
               </a:rPr>
-              <a:t>OBJECTIVE:  </a:t>
+              <a:t>OBJECTIVE</a:t>
+            </a:r>
+            <a:r>
+              <a:rPr lang="en-US" altLang="zh-TW" sz="1050" b="1" dirty="0" smtClean="0">
+                <a:latin typeface="Georgia" panose="02040502050405020303" pitchFamily="18" charset="0"/>
+              </a:rPr>
+              <a:t>:  </a:t>
             </a:r>
             <a:r>
               <a:rPr lang="en-US" altLang="zh-TW" sz="1050" dirty="0" smtClean="0">
                 <a:latin typeface="Georgia" panose="02040502050405020303" pitchFamily="18" charset="0"/>
               </a:rPr>
-              <a:t>Google Taiwan, Software Engineering Intern, Summer 2020</a:t>
+              <a:t>MTK Taiwan, Student Intern, Summer 2020</a:t>
             </a:r>
           </a:p>
           <a:p>
@@ -4603,31 +4609,7 @@
               <a:rPr lang="en-US" altLang="zh-TW" sz="1050" dirty="0" smtClean="0">
                 <a:latin typeface="Georgia" panose="02040502050405020303" pitchFamily="18" charset="0"/>
               </a:rPr>
-              <a:t>Learn and Bring </a:t>
-            </a:r>
-            <a:r>
-              <a:rPr lang="en-US" altLang="zh-TW" sz="1050" dirty="0" smtClean="0">
-                <a:latin typeface="Georgia" panose="02040502050405020303" pitchFamily="18" charset="0"/>
-              </a:rPr>
-              <a:t>Benefits </a:t>
-            </a:r>
-            <a:r>
-              <a:rPr lang="en-US" altLang="zh-TW" sz="1050" dirty="0" smtClean="0">
-                <a:latin typeface="Georgia" panose="02040502050405020303" pitchFamily="18" charset="0"/>
-              </a:rPr>
-              <a:t>for</a:t>
-            </a:r>
-            <a:r>
-              <a:rPr lang="en-US" altLang="zh-TW" sz="1050" dirty="0" smtClean="0">
-                <a:latin typeface="Georgia" panose="02040502050405020303" pitchFamily="18" charset="0"/>
-              </a:rPr>
-              <a:t> </a:t>
-            </a:r>
-            <a:r>
-              <a:rPr lang="en-US" altLang="zh-TW" sz="1050" dirty="0" smtClean="0">
-                <a:latin typeface="Georgia" panose="02040502050405020303" pitchFamily="18" charset="0"/>
-              </a:rPr>
-              <a:t>the Company</a:t>
+              <a:t>Learn and Bring Benefits for the Company</a:t>
             </a:r>
             <a:endParaRPr lang="zh-TW" altLang="en-US" sz="1050" dirty="0">
               <a:latin typeface="Georgia" panose="02040502050405020303" pitchFamily="18" charset="0"/>

--- a/File/Resume_v3(ENG).pptx
+++ b/File/Resume_v3(ENG).pptx
@@ -243,7 +243,7 @@
           <a:p>
             <a:fld id="{D5F3CDC1-7B12-4134-A5C4-51E3D4EC3889}" type="datetimeFigureOut">
               <a:rPr lang="zh-TW" altLang="en-US" smtClean="0"/>
-              <a:t>2020/2/11</a:t>
+              <a:t>2020/2/24</a:t>
             </a:fld>
             <a:endParaRPr lang="zh-TW" altLang="en-US"/>
           </a:p>
@@ -413,7 +413,7 @@
           <a:p>
             <a:fld id="{D5F3CDC1-7B12-4134-A5C4-51E3D4EC3889}" type="datetimeFigureOut">
               <a:rPr lang="zh-TW" altLang="en-US" smtClean="0"/>
-              <a:t>2020/2/11</a:t>
+              <a:t>2020/2/24</a:t>
             </a:fld>
             <a:endParaRPr lang="zh-TW" altLang="en-US"/>
           </a:p>
@@ -593,7 +593,7 @@
           <a:p>
             <a:fld id="{D5F3CDC1-7B12-4134-A5C4-51E3D4EC3889}" type="datetimeFigureOut">
               <a:rPr lang="zh-TW" altLang="en-US" smtClean="0"/>
-              <a:t>2020/2/11</a:t>
+              <a:t>2020/2/24</a:t>
             </a:fld>
             <a:endParaRPr lang="zh-TW" altLang="en-US"/>
           </a:p>
@@ -763,7 +763,7 @@
           <a:p>
             <a:fld id="{D5F3CDC1-7B12-4134-A5C4-51E3D4EC3889}" type="datetimeFigureOut">
               <a:rPr lang="zh-TW" altLang="en-US" smtClean="0"/>
-              <a:t>2020/2/11</a:t>
+              <a:t>2020/2/24</a:t>
             </a:fld>
             <a:endParaRPr lang="zh-TW" altLang="en-US"/>
           </a:p>
@@ -1007,7 +1007,7 @@
           <a:p>
             <a:fld id="{D5F3CDC1-7B12-4134-A5C4-51E3D4EC3889}" type="datetimeFigureOut">
               <a:rPr lang="zh-TW" altLang="en-US" smtClean="0"/>
-              <a:t>2020/2/11</a:t>
+              <a:t>2020/2/24</a:t>
             </a:fld>
             <a:endParaRPr lang="zh-TW" altLang="en-US"/>
           </a:p>
@@ -1239,7 +1239,7 @@
           <a:p>
             <a:fld id="{D5F3CDC1-7B12-4134-A5C4-51E3D4EC3889}" type="datetimeFigureOut">
               <a:rPr lang="zh-TW" altLang="en-US" smtClean="0"/>
-              <a:t>2020/2/11</a:t>
+              <a:t>2020/2/24</a:t>
             </a:fld>
             <a:endParaRPr lang="zh-TW" altLang="en-US"/>
           </a:p>
@@ -1606,7 +1606,7 @@
           <a:p>
             <a:fld id="{D5F3CDC1-7B12-4134-A5C4-51E3D4EC3889}" type="datetimeFigureOut">
               <a:rPr lang="zh-TW" altLang="en-US" smtClean="0"/>
-              <a:t>2020/2/11</a:t>
+              <a:t>2020/2/24</a:t>
             </a:fld>
             <a:endParaRPr lang="zh-TW" altLang="en-US"/>
           </a:p>
@@ -1724,7 +1724,7 @@
           <a:p>
             <a:fld id="{D5F3CDC1-7B12-4134-A5C4-51E3D4EC3889}" type="datetimeFigureOut">
               <a:rPr lang="zh-TW" altLang="en-US" smtClean="0"/>
-              <a:t>2020/2/11</a:t>
+              <a:t>2020/2/24</a:t>
             </a:fld>
             <a:endParaRPr lang="zh-TW" altLang="en-US"/>
           </a:p>
@@ -1819,7 +1819,7 @@
           <a:p>
             <a:fld id="{D5F3CDC1-7B12-4134-A5C4-51E3D4EC3889}" type="datetimeFigureOut">
               <a:rPr lang="zh-TW" altLang="en-US" smtClean="0"/>
-              <a:t>2020/2/11</a:t>
+              <a:t>2020/2/24</a:t>
             </a:fld>
             <a:endParaRPr lang="zh-TW" altLang="en-US"/>
           </a:p>
@@ -2096,7 +2096,7 @@
           <a:p>
             <a:fld id="{D5F3CDC1-7B12-4134-A5C4-51E3D4EC3889}" type="datetimeFigureOut">
               <a:rPr lang="zh-TW" altLang="en-US" smtClean="0"/>
-              <a:t>2020/2/11</a:t>
+              <a:t>2020/2/24</a:t>
             </a:fld>
             <a:endParaRPr lang="zh-TW" altLang="en-US"/>
           </a:p>
@@ -2353,7 +2353,7 @@
           <a:p>
             <a:fld id="{D5F3CDC1-7B12-4134-A5C4-51E3D4EC3889}" type="datetimeFigureOut">
               <a:rPr lang="zh-TW" altLang="en-US" smtClean="0"/>
-              <a:t>2020/2/11</a:t>
+              <a:t>2020/2/24</a:t>
             </a:fld>
             <a:endParaRPr lang="zh-TW" altLang="en-US"/>
           </a:p>
@@ -2566,7 +2566,7 @@
           <a:p>
             <a:fld id="{D5F3CDC1-7B12-4134-A5C4-51E3D4EC3889}" type="datetimeFigureOut">
               <a:rPr lang="zh-TW" altLang="en-US" smtClean="0"/>
-              <a:t>2020/2/11</a:t>
+              <a:t>2020/2/24</a:t>
             </a:fld>
             <a:endParaRPr lang="zh-TW" altLang="en-US"/>
           </a:p>
@@ -4552,7 +4552,7 @@
         <p:spPr>
           <a:xfrm>
             <a:off x="227633" y="1526561"/>
-            <a:ext cx="5011308" cy="428322"/>
+            <a:ext cx="3703258" cy="428322"/>
           </a:xfrm>
           <a:prstGeom prst="rect">
             <a:avLst/>
@@ -4582,7 +4582,31 @@
               <a:rPr lang="en-US" altLang="zh-TW" sz="1050" dirty="0" smtClean="0">
                 <a:latin typeface="Georgia" panose="02040502050405020303" pitchFamily="18" charset="0"/>
               </a:rPr>
-              <a:t>Google Taiwan, Software Engineering Intern, Summer 2020</a:t>
+              <a:t>MTK</a:t>
+            </a:r>
+            <a:r>
+              <a:rPr lang="en-US" altLang="zh-TW" sz="1050" dirty="0" smtClean="0">
+                <a:latin typeface="Georgia" panose="02040502050405020303" pitchFamily="18" charset="0"/>
+              </a:rPr>
+              <a:t> </a:t>
+            </a:r>
+            <a:r>
+              <a:rPr lang="en-US" altLang="zh-TW" sz="1050" dirty="0" smtClean="0">
+                <a:latin typeface="Georgia" panose="02040502050405020303" pitchFamily="18" charset="0"/>
+              </a:rPr>
+              <a:t>Taiwan, </a:t>
+            </a:r>
+            <a:r>
+              <a:rPr lang="en-US" altLang="zh-TW" sz="1050" dirty="0" smtClean="0">
+                <a:latin typeface="Georgia" panose="02040502050405020303" pitchFamily="18" charset="0"/>
+              </a:rPr>
+              <a:t>Intern</a:t>
+            </a:r>
+            <a:r>
+              <a:rPr lang="en-US" altLang="zh-TW" sz="1050" dirty="0" smtClean="0">
+                <a:latin typeface="Georgia" panose="02040502050405020303" pitchFamily="18" charset="0"/>
+              </a:rPr>
+              <a:t>, Summer 2020</a:t>
             </a:r>
           </a:p>
           <a:p>
@@ -4603,31 +4627,7 @@
               <a:rPr lang="en-US" altLang="zh-TW" sz="1050" dirty="0" smtClean="0">
                 <a:latin typeface="Georgia" panose="02040502050405020303" pitchFamily="18" charset="0"/>
               </a:rPr>
-              <a:t>Learn and Bring </a:t>
-            </a:r>
-            <a:r>
-              <a:rPr lang="en-US" altLang="zh-TW" sz="1050" dirty="0" smtClean="0">
-                <a:latin typeface="Georgia" panose="02040502050405020303" pitchFamily="18" charset="0"/>
-              </a:rPr>
-              <a:t>Benefits </a:t>
-            </a:r>
-            <a:r>
-              <a:rPr lang="en-US" altLang="zh-TW" sz="1050" dirty="0" smtClean="0">
-                <a:latin typeface="Georgia" panose="02040502050405020303" pitchFamily="18" charset="0"/>
-              </a:rPr>
-              <a:t>for</a:t>
-            </a:r>
-            <a:r>
-              <a:rPr lang="en-US" altLang="zh-TW" sz="1050" dirty="0" smtClean="0">
-                <a:latin typeface="Georgia" panose="02040502050405020303" pitchFamily="18" charset="0"/>
-              </a:rPr>
-              <a:t> </a:t>
-            </a:r>
-            <a:r>
-              <a:rPr lang="en-US" altLang="zh-TW" sz="1050" dirty="0" smtClean="0">
-                <a:latin typeface="Georgia" panose="02040502050405020303" pitchFamily="18" charset="0"/>
-              </a:rPr>
-              <a:t>the Company</a:t>
+              <a:t>Learn and Bring Benefits for the Company</a:t>
             </a:r>
             <a:endParaRPr lang="zh-TW" altLang="en-US" sz="1050" dirty="0">
               <a:latin typeface="Georgia" panose="02040502050405020303" pitchFamily="18" charset="0"/>

--- a/File/Resume_v3(ENG).pptx
+++ b/File/Resume_v3(ENG).pptx
@@ -243,7 +243,7 @@
           <a:p>
             <a:fld id="{D5F3CDC1-7B12-4134-A5C4-51E3D4EC3889}" type="datetimeFigureOut">
               <a:rPr lang="zh-TW" altLang="en-US" smtClean="0"/>
-              <a:t>2020/2/24</a:t>
+              <a:t>2020/3/17</a:t>
             </a:fld>
             <a:endParaRPr lang="zh-TW" altLang="en-US"/>
           </a:p>
@@ -413,7 +413,7 @@
           <a:p>
             <a:fld id="{D5F3CDC1-7B12-4134-A5C4-51E3D4EC3889}" type="datetimeFigureOut">
               <a:rPr lang="zh-TW" altLang="en-US" smtClean="0"/>
-              <a:t>2020/2/24</a:t>
+              <a:t>2020/3/17</a:t>
             </a:fld>
             <a:endParaRPr lang="zh-TW" altLang="en-US"/>
           </a:p>
@@ -593,7 +593,7 @@
           <a:p>
             <a:fld id="{D5F3CDC1-7B12-4134-A5C4-51E3D4EC3889}" type="datetimeFigureOut">
               <a:rPr lang="zh-TW" altLang="en-US" smtClean="0"/>
-              <a:t>2020/2/24</a:t>
+              <a:t>2020/3/17</a:t>
             </a:fld>
             <a:endParaRPr lang="zh-TW" altLang="en-US"/>
           </a:p>
@@ -763,7 +763,7 @@
           <a:p>
             <a:fld id="{D5F3CDC1-7B12-4134-A5C4-51E3D4EC3889}" type="datetimeFigureOut">
               <a:rPr lang="zh-TW" altLang="en-US" smtClean="0"/>
-              <a:t>2020/2/24</a:t>
+              <a:t>2020/3/17</a:t>
             </a:fld>
             <a:endParaRPr lang="zh-TW" altLang="en-US"/>
           </a:p>
@@ -1007,7 +1007,7 @@
           <a:p>
             <a:fld id="{D5F3CDC1-7B12-4134-A5C4-51E3D4EC3889}" type="datetimeFigureOut">
               <a:rPr lang="zh-TW" altLang="en-US" smtClean="0"/>
-              <a:t>2020/2/24</a:t>
+              <a:t>2020/3/17</a:t>
             </a:fld>
             <a:endParaRPr lang="zh-TW" altLang="en-US"/>
           </a:p>
@@ -1239,7 +1239,7 @@
           <a:p>
             <a:fld id="{D5F3CDC1-7B12-4134-A5C4-51E3D4EC3889}" type="datetimeFigureOut">
               <a:rPr lang="zh-TW" altLang="en-US" smtClean="0"/>
-              <a:t>2020/2/24</a:t>
+              <a:t>2020/3/17</a:t>
             </a:fld>
             <a:endParaRPr lang="zh-TW" altLang="en-US"/>
           </a:p>
@@ -1606,7 +1606,7 @@
           <a:p>
             <a:fld id="{D5F3CDC1-7B12-4134-A5C4-51E3D4EC3889}" type="datetimeFigureOut">
               <a:rPr lang="zh-TW" altLang="en-US" smtClean="0"/>
-              <a:t>2020/2/24</a:t>
+              <a:t>2020/3/17</a:t>
             </a:fld>
             <a:endParaRPr lang="zh-TW" altLang="en-US"/>
           </a:p>
@@ -1724,7 +1724,7 @@
           <a:p>
             <a:fld id="{D5F3CDC1-7B12-4134-A5C4-51E3D4EC3889}" type="datetimeFigureOut">
               <a:rPr lang="zh-TW" altLang="en-US" smtClean="0"/>
-              <a:t>2020/2/24</a:t>
+              <a:t>2020/3/17</a:t>
             </a:fld>
             <a:endParaRPr lang="zh-TW" altLang="en-US"/>
           </a:p>
@@ -1819,7 +1819,7 @@
           <a:p>
             <a:fld id="{D5F3CDC1-7B12-4134-A5C4-51E3D4EC3889}" type="datetimeFigureOut">
               <a:rPr lang="zh-TW" altLang="en-US" smtClean="0"/>
-              <a:t>2020/2/24</a:t>
+              <a:t>2020/3/17</a:t>
             </a:fld>
             <a:endParaRPr lang="zh-TW" altLang="en-US"/>
           </a:p>
@@ -2096,7 +2096,7 @@
           <a:p>
             <a:fld id="{D5F3CDC1-7B12-4134-A5C4-51E3D4EC3889}" type="datetimeFigureOut">
               <a:rPr lang="zh-TW" altLang="en-US" smtClean="0"/>
-              <a:t>2020/2/24</a:t>
+              <a:t>2020/3/17</a:t>
             </a:fld>
             <a:endParaRPr lang="zh-TW" altLang="en-US"/>
           </a:p>
@@ -2353,7 +2353,7 @@
           <a:p>
             <a:fld id="{D5F3CDC1-7B12-4134-A5C4-51E3D4EC3889}" type="datetimeFigureOut">
               <a:rPr lang="zh-TW" altLang="en-US" smtClean="0"/>
-              <a:t>2020/2/24</a:t>
+              <a:t>2020/3/17</a:t>
             </a:fld>
             <a:endParaRPr lang="zh-TW" altLang="en-US"/>
           </a:p>
@@ -2566,7 +2566,7 @@
           <a:p>
             <a:fld id="{D5F3CDC1-7B12-4134-A5C4-51E3D4EC3889}" type="datetimeFigureOut">
               <a:rPr lang="zh-TW" altLang="en-US" smtClean="0"/>
-              <a:t>2020/2/24</a:t>
+              <a:t>2020/3/17</a:t>
             </a:fld>
             <a:endParaRPr lang="zh-TW" altLang="en-US"/>
           </a:p>
@@ -4582,31 +4582,13 @@
               <a:rPr lang="en-US" altLang="zh-TW" sz="1050" dirty="0" smtClean="0">
                 <a:latin typeface="Georgia" panose="02040502050405020303" pitchFamily="18" charset="0"/>
               </a:rPr>
-              <a:t>MTK</a:t>
+              <a:t>Micron Taiwan, </a:t>
             </a:r>
             <a:r>
               <a:rPr lang="en-US" altLang="zh-TW" sz="1050" dirty="0" smtClean="0">
                 <a:latin typeface="Georgia" panose="02040502050405020303" pitchFamily="18" charset="0"/>
               </a:rPr>
-              <a:t> </a:t>
-            </a:r>
-            <a:r>
-              <a:rPr lang="en-US" altLang="zh-TW" sz="1050" dirty="0" smtClean="0">
-                <a:latin typeface="Georgia" panose="02040502050405020303" pitchFamily="18" charset="0"/>
-              </a:rPr>
-              <a:t>Taiwan, </a:t>
-            </a:r>
-            <a:r>
-              <a:rPr lang="en-US" altLang="zh-TW" sz="1050" dirty="0" smtClean="0">
-                <a:latin typeface="Georgia" panose="02040502050405020303" pitchFamily="18" charset="0"/>
-              </a:rPr>
-              <a:t>Intern</a:t>
-            </a:r>
-            <a:r>
-              <a:rPr lang="en-US" altLang="zh-TW" sz="1050" dirty="0" smtClean="0">
-                <a:latin typeface="Georgia" panose="02040502050405020303" pitchFamily="18" charset="0"/>
-              </a:rPr>
-              <a:t>, Summer 2020</a:t>
+              <a:t>Intern, Summer 2020</a:t>
             </a:r>
           </a:p>
           <a:p>

--- a/File/Resume_v3(ENG).pptx
+++ b/File/Resume_v3(ENG).pptx
@@ -243,7 +243,7 @@
           <a:p>
             <a:fld id="{D5F3CDC1-7B12-4134-A5C4-51E3D4EC3889}" type="datetimeFigureOut">
               <a:rPr lang="zh-TW" altLang="en-US" smtClean="0"/>
-              <a:t>2020/3/17</a:t>
+              <a:t>2020/3/18</a:t>
             </a:fld>
             <a:endParaRPr lang="zh-TW" altLang="en-US"/>
           </a:p>
@@ -413,7 +413,7 @@
           <a:p>
             <a:fld id="{D5F3CDC1-7B12-4134-A5C4-51E3D4EC3889}" type="datetimeFigureOut">
               <a:rPr lang="zh-TW" altLang="en-US" smtClean="0"/>
-              <a:t>2020/3/17</a:t>
+              <a:t>2020/3/18</a:t>
             </a:fld>
             <a:endParaRPr lang="zh-TW" altLang="en-US"/>
           </a:p>
@@ -593,7 +593,7 @@
           <a:p>
             <a:fld id="{D5F3CDC1-7B12-4134-A5C4-51E3D4EC3889}" type="datetimeFigureOut">
               <a:rPr lang="zh-TW" altLang="en-US" smtClean="0"/>
-              <a:t>2020/3/17</a:t>
+              <a:t>2020/3/18</a:t>
             </a:fld>
             <a:endParaRPr lang="zh-TW" altLang="en-US"/>
           </a:p>
@@ -763,7 +763,7 @@
           <a:p>
             <a:fld id="{D5F3CDC1-7B12-4134-A5C4-51E3D4EC3889}" type="datetimeFigureOut">
               <a:rPr lang="zh-TW" altLang="en-US" smtClean="0"/>
-              <a:t>2020/3/17</a:t>
+              <a:t>2020/3/18</a:t>
             </a:fld>
             <a:endParaRPr lang="zh-TW" altLang="en-US"/>
           </a:p>
@@ -1007,7 +1007,7 @@
           <a:p>
             <a:fld id="{D5F3CDC1-7B12-4134-A5C4-51E3D4EC3889}" type="datetimeFigureOut">
               <a:rPr lang="zh-TW" altLang="en-US" smtClean="0"/>
-              <a:t>2020/3/17</a:t>
+              <a:t>2020/3/18</a:t>
             </a:fld>
             <a:endParaRPr lang="zh-TW" altLang="en-US"/>
           </a:p>
@@ -1239,7 +1239,7 @@
           <a:p>
             <a:fld id="{D5F3CDC1-7B12-4134-A5C4-51E3D4EC3889}" type="datetimeFigureOut">
               <a:rPr lang="zh-TW" altLang="en-US" smtClean="0"/>
-              <a:t>2020/3/17</a:t>
+              <a:t>2020/3/18</a:t>
             </a:fld>
             <a:endParaRPr lang="zh-TW" altLang="en-US"/>
           </a:p>
@@ -1606,7 +1606,7 @@
           <a:p>
             <a:fld id="{D5F3CDC1-7B12-4134-A5C4-51E3D4EC3889}" type="datetimeFigureOut">
               <a:rPr lang="zh-TW" altLang="en-US" smtClean="0"/>
-              <a:t>2020/3/17</a:t>
+              <a:t>2020/3/18</a:t>
             </a:fld>
             <a:endParaRPr lang="zh-TW" altLang="en-US"/>
           </a:p>
@@ -1724,7 +1724,7 @@
           <a:p>
             <a:fld id="{D5F3CDC1-7B12-4134-A5C4-51E3D4EC3889}" type="datetimeFigureOut">
               <a:rPr lang="zh-TW" altLang="en-US" smtClean="0"/>
-              <a:t>2020/3/17</a:t>
+              <a:t>2020/3/18</a:t>
             </a:fld>
             <a:endParaRPr lang="zh-TW" altLang="en-US"/>
           </a:p>
@@ -1819,7 +1819,7 @@
           <a:p>
             <a:fld id="{D5F3CDC1-7B12-4134-A5C4-51E3D4EC3889}" type="datetimeFigureOut">
               <a:rPr lang="zh-TW" altLang="en-US" smtClean="0"/>
-              <a:t>2020/3/17</a:t>
+              <a:t>2020/3/18</a:t>
             </a:fld>
             <a:endParaRPr lang="zh-TW" altLang="en-US"/>
           </a:p>
@@ -2096,7 +2096,7 @@
           <a:p>
             <a:fld id="{D5F3CDC1-7B12-4134-A5C4-51E3D4EC3889}" type="datetimeFigureOut">
               <a:rPr lang="zh-TW" altLang="en-US" smtClean="0"/>
-              <a:t>2020/3/17</a:t>
+              <a:t>2020/3/18</a:t>
             </a:fld>
             <a:endParaRPr lang="zh-TW" altLang="en-US"/>
           </a:p>
@@ -2353,7 +2353,7 @@
           <a:p>
             <a:fld id="{D5F3CDC1-7B12-4134-A5C4-51E3D4EC3889}" type="datetimeFigureOut">
               <a:rPr lang="zh-TW" altLang="en-US" smtClean="0"/>
-              <a:t>2020/3/17</a:t>
+              <a:t>2020/3/18</a:t>
             </a:fld>
             <a:endParaRPr lang="zh-TW" altLang="en-US"/>
           </a:p>
@@ -2566,7 +2566,7 @@
           <a:p>
             <a:fld id="{D5F3CDC1-7B12-4134-A5C4-51E3D4EC3889}" type="datetimeFigureOut">
               <a:rPr lang="zh-TW" altLang="en-US" smtClean="0"/>
-              <a:t>2020/3/17</a:t>
+              <a:t>2020/3/18</a:t>
             </a:fld>
             <a:endParaRPr lang="zh-TW" altLang="en-US"/>
           </a:p>
@@ -4582,13 +4582,13 @@
               <a:rPr lang="en-US" altLang="zh-TW" sz="1050" dirty="0" smtClean="0">
                 <a:latin typeface="Georgia" panose="02040502050405020303" pitchFamily="18" charset="0"/>
               </a:rPr>
-              <a:t>Micron Taiwan, </a:t>
+              <a:t>TSMC </a:t>
             </a:r>
             <a:r>
               <a:rPr lang="en-US" altLang="zh-TW" sz="1050" dirty="0" smtClean="0">
                 <a:latin typeface="Georgia" panose="02040502050405020303" pitchFamily="18" charset="0"/>
               </a:rPr>
-              <a:t>Intern, Summer 2020</a:t>
+              <a:t>Taiwan, Intern, Summer 2020</a:t>
             </a:r>
           </a:p>
           <a:p>

--- a/File/Resume_v3(ENG).pptx
+++ b/File/Resume_v3(ENG).pptx
@@ -243,7 +243,7 @@
           <a:p>
             <a:fld id="{D5F3CDC1-7B12-4134-A5C4-51E3D4EC3889}" type="datetimeFigureOut">
               <a:rPr lang="zh-TW" altLang="en-US" smtClean="0"/>
-              <a:t>2020/3/18</a:t>
+              <a:t>2020/3/28</a:t>
             </a:fld>
             <a:endParaRPr lang="zh-TW" altLang="en-US"/>
           </a:p>
@@ -413,7 +413,7 @@
           <a:p>
             <a:fld id="{D5F3CDC1-7B12-4134-A5C4-51E3D4EC3889}" type="datetimeFigureOut">
               <a:rPr lang="zh-TW" altLang="en-US" smtClean="0"/>
-              <a:t>2020/3/18</a:t>
+              <a:t>2020/3/28</a:t>
             </a:fld>
             <a:endParaRPr lang="zh-TW" altLang="en-US"/>
           </a:p>
@@ -593,7 +593,7 @@
           <a:p>
             <a:fld id="{D5F3CDC1-7B12-4134-A5C4-51E3D4EC3889}" type="datetimeFigureOut">
               <a:rPr lang="zh-TW" altLang="en-US" smtClean="0"/>
-              <a:t>2020/3/18</a:t>
+              <a:t>2020/3/28</a:t>
             </a:fld>
             <a:endParaRPr lang="zh-TW" altLang="en-US"/>
           </a:p>
@@ -763,7 +763,7 @@
           <a:p>
             <a:fld id="{D5F3CDC1-7B12-4134-A5C4-51E3D4EC3889}" type="datetimeFigureOut">
               <a:rPr lang="zh-TW" altLang="en-US" smtClean="0"/>
-              <a:t>2020/3/18</a:t>
+              <a:t>2020/3/28</a:t>
             </a:fld>
             <a:endParaRPr lang="zh-TW" altLang="en-US"/>
           </a:p>
@@ -1007,7 +1007,7 @@
           <a:p>
             <a:fld id="{D5F3CDC1-7B12-4134-A5C4-51E3D4EC3889}" type="datetimeFigureOut">
               <a:rPr lang="zh-TW" altLang="en-US" smtClean="0"/>
-              <a:t>2020/3/18</a:t>
+              <a:t>2020/3/28</a:t>
             </a:fld>
             <a:endParaRPr lang="zh-TW" altLang="en-US"/>
           </a:p>
@@ -1239,7 +1239,7 @@
           <a:p>
             <a:fld id="{D5F3CDC1-7B12-4134-A5C4-51E3D4EC3889}" type="datetimeFigureOut">
               <a:rPr lang="zh-TW" altLang="en-US" smtClean="0"/>
-              <a:t>2020/3/18</a:t>
+              <a:t>2020/3/28</a:t>
             </a:fld>
             <a:endParaRPr lang="zh-TW" altLang="en-US"/>
           </a:p>
@@ -1606,7 +1606,7 @@
           <a:p>
             <a:fld id="{D5F3CDC1-7B12-4134-A5C4-51E3D4EC3889}" type="datetimeFigureOut">
               <a:rPr lang="zh-TW" altLang="en-US" smtClean="0"/>
-              <a:t>2020/3/18</a:t>
+              <a:t>2020/3/28</a:t>
             </a:fld>
             <a:endParaRPr lang="zh-TW" altLang="en-US"/>
           </a:p>
@@ -1724,7 +1724,7 @@
           <a:p>
             <a:fld id="{D5F3CDC1-7B12-4134-A5C4-51E3D4EC3889}" type="datetimeFigureOut">
               <a:rPr lang="zh-TW" altLang="en-US" smtClean="0"/>
-              <a:t>2020/3/18</a:t>
+              <a:t>2020/3/28</a:t>
             </a:fld>
             <a:endParaRPr lang="zh-TW" altLang="en-US"/>
           </a:p>
@@ -1819,7 +1819,7 @@
           <a:p>
             <a:fld id="{D5F3CDC1-7B12-4134-A5C4-51E3D4EC3889}" type="datetimeFigureOut">
               <a:rPr lang="zh-TW" altLang="en-US" smtClean="0"/>
-              <a:t>2020/3/18</a:t>
+              <a:t>2020/3/28</a:t>
             </a:fld>
             <a:endParaRPr lang="zh-TW" altLang="en-US"/>
           </a:p>
@@ -2096,7 +2096,7 @@
           <a:p>
             <a:fld id="{D5F3CDC1-7B12-4134-A5C4-51E3D4EC3889}" type="datetimeFigureOut">
               <a:rPr lang="zh-TW" altLang="en-US" smtClean="0"/>
-              <a:t>2020/3/18</a:t>
+              <a:t>2020/3/28</a:t>
             </a:fld>
             <a:endParaRPr lang="zh-TW" altLang="en-US"/>
           </a:p>
@@ -2353,7 +2353,7 @@
           <a:p>
             <a:fld id="{D5F3CDC1-7B12-4134-A5C4-51E3D4EC3889}" type="datetimeFigureOut">
               <a:rPr lang="zh-TW" altLang="en-US" smtClean="0"/>
-              <a:t>2020/3/18</a:t>
+              <a:t>2020/3/28</a:t>
             </a:fld>
             <a:endParaRPr lang="zh-TW" altLang="en-US"/>
           </a:p>
@@ -2566,7 +2566,7 @@
           <a:p>
             <a:fld id="{D5F3CDC1-7B12-4134-A5C4-51E3D4EC3889}" type="datetimeFigureOut">
               <a:rPr lang="zh-TW" altLang="en-US" smtClean="0"/>
-              <a:t>2020/3/18</a:t>
+              <a:t>2020/3/28</a:t>
             </a:fld>
             <a:endParaRPr lang="zh-TW" altLang="en-US"/>
           </a:p>
@@ -4552,7 +4552,7 @@
         <p:spPr>
           <a:xfrm>
             <a:off x="227633" y="1526561"/>
-            <a:ext cx="3703258" cy="428322"/>
+            <a:ext cx="4381328" cy="428322"/>
           </a:xfrm>
           <a:prstGeom prst="rect">
             <a:avLst/>
@@ -4582,13 +4582,13 @@
               <a:rPr lang="en-US" altLang="zh-TW" sz="1050" dirty="0" smtClean="0">
                 <a:latin typeface="Georgia" panose="02040502050405020303" pitchFamily="18" charset="0"/>
               </a:rPr>
-              <a:t>TSMC </a:t>
+              <a:t>MOXA, Software Developer Intern</a:t>
             </a:r>
             <a:r>
               <a:rPr lang="en-US" altLang="zh-TW" sz="1050" dirty="0" smtClean="0">
                 <a:latin typeface="Georgia" panose="02040502050405020303" pitchFamily="18" charset="0"/>
               </a:rPr>
-              <a:t>Taiwan, Intern, Summer 2020</a:t>
+              <a:t>, Summer 2020</a:t>
             </a:r>
           </a:p>
           <a:p>

--- a/File/Resume_v3(ENG).pptx
+++ b/File/Resume_v3(ENG).pptx
@@ -243,7 +243,7 @@
           <a:p>
             <a:fld id="{D5F3CDC1-7B12-4134-A5C4-51E3D4EC3889}" type="datetimeFigureOut">
               <a:rPr lang="zh-TW" altLang="en-US" smtClean="0"/>
-              <a:t>2020/3/28</a:t>
+              <a:t>2020/4/27</a:t>
             </a:fld>
             <a:endParaRPr lang="zh-TW" altLang="en-US"/>
           </a:p>
@@ -413,7 +413,7 @@
           <a:p>
             <a:fld id="{D5F3CDC1-7B12-4134-A5C4-51E3D4EC3889}" type="datetimeFigureOut">
               <a:rPr lang="zh-TW" altLang="en-US" smtClean="0"/>
-              <a:t>2020/3/28</a:t>
+              <a:t>2020/4/27</a:t>
             </a:fld>
             <a:endParaRPr lang="zh-TW" altLang="en-US"/>
           </a:p>
@@ -593,7 +593,7 @@
           <a:p>
             <a:fld id="{D5F3CDC1-7B12-4134-A5C4-51E3D4EC3889}" type="datetimeFigureOut">
               <a:rPr lang="zh-TW" altLang="en-US" smtClean="0"/>
-              <a:t>2020/3/28</a:t>
+              <a:t>2020/4/27</a:t>
             </a:fld>
             <a:endParaRPr lang="zh-TW" altLang="en-US"/>
           </a:p>
@@ -763,7 +763,7 @@
           <a:p>
             <a:fld id="{D5F3CDC1-7B12-4134-A5C4-51E3D4EC3889}" type="datetimeFigureOut">
               <a:rPr lang="zh-TW" altLang="en-US" smtClean="0"/>
-              <a:t>2020/3/28</a:t>
+              <a:t>2020/4/27</a:t>
             </a:fld>
             <a:endParaRPr lang="zh-TW" altLang="en-US"/>
           </a:p>
@@ -1007,7 +1007,7 @@
           <a:p>
             <a:fld id="{D5F3CDC1-7B12-4134-A5C4-51E3D4EC3889}" type="datetimeFigureOut">
               <a:rPr lang="zh-TW" altLang="en-US" smtClean="0"/>
-              <a:t>2020/3/28</a:t>
+              <a:t>2020/4/27</a:t>
             </a:fld>
             <a:endParaRPr lang="zh-TW" altLang="en-US"/>
           </a:p>
@@ -1239,7 +1239,7 @@
           <a:p>
             <a:fld id="{D5F3CDC1-7B12-4134-A5C4-51E3D4EC3889}" type="datetimeFigureOut">
               <a:rPr lang="zh-TW" altLang="en-US" smtClean="0"/>
-              <a:t>2020/3/28</a:t>
+              <a:t>2020/4/27</a:t>
             </a:fld>
             <a:endParaRPr lang="zh-TW" altLang="en-US"/>
           </a:p>
@@ -1606,7 +1606,7 @@
           <a:p>
             <a:fld id="{D5F3CDC1-7B12-4134-A5C4-51E3D4EC3889}" type="datetimeFigureOut">
               <a:rPr lang="zh-TW" altLang="en-US" smtClean="0"/>
-              <a:t>2020/3/28</a:t>
+              <a:t>2020/4/27</a:t>
             </a:fld>
             <a:endParaRPr lang="zh-TW" altLang="en-US"/>
           </a:p>
@@ -1724,7 +1724,7 @@
           <a:p>
             <a:fld id="{D5F3CDC1-7B12-4134-A5C4-51E3D4EC3889}" type="datetimeFigureOut">
               <a:rPr lang="zh-TW" altLang="en-US" smtClean="0"/>
-              <a:t>2020/3/28</a:t>
+              <a:t>2020/4/27</a:t>
             </a:fld>
             <a:endParaRPr lang="zh-TW" altLang="en-US"/>
           </a:p>
@@ -1819,7 +1819,7 @@
           <a:p>
             <a:fld id="{D5F3CDC1-7B12-4134-A5C4-51E3D4EC3889}" type="datetimeFigureOut">
               <a:rPr lang="zh-TW" altLang="en-US" smtClean="0"/>
-              <a:t>2020/3/28</a:t>
+              <a:t>2020/4/27</a:t>
             </a:fld>
             <a:endParaRPr lang="zh-TW" altLang="en-US"/>
           </a:p>
@@ -2096,7 +2096,7 @@
           <a:p>
             <a:fld id="{D5F3CDC1-7B12-4134-A5C4-51E3D4EC3889}" type="datetimeFigureOut">
               <a:rPr lang="zh-TW" altLang="en-US" smtClean="0"/>
-              <a:t>2020/3/28</a:t>
+              <a:t>2020/4/27</a:t>
             </a:fld>
             <a:endParaRPr lang="zh-TW" altLang="en-US"/>
           </a:p>
@@ -2353,7 +2353,7 @@
           <a:p>
             <a:fld id="{D5F3CDC1-7B12-4134-A5C4-51E3D4EC3889}" type="datetimeFigureOut">
               <a:rPr lang="zh-TW" altLang="en-US" smtClean="0"/>
-              <a:t>2020/3/28</a:t>
+              <a:t>2020/4/27</a:t>
             </a:fld>
             <a:endParaRPr lang="zh-TW" altLang="en-US"/>
           </a:p>
@@ -2566,7 +2566,7 @@
           <a:p>
             <a:fld id="{D5F3CDC1-7B12-4134-A5C4-51E3D4EC3889}" type="datetimeFigureOut">
               <a:rPr lang="zh-TW" altLang="en-US" smtClean="0"/>
-              <a:t>2020/3/28</a:t>
+              <a:t>2020/4/27</a:t>
             </a:fld>
             <a:endParaRPr lang="zh-TW" altLang="en-US"/>
           </a:p>
@@ -4552,7 +4552,7 @@
         <p:spPr>
           <a:xfrm>
             <a:off x="227633" y="1526561"/>
-            <a:ext cx="4381328" cy="428322"/>
+            <a:ext cx="4214615" cy="428322"/>
           </a:xfrm>
           <a:prstGeom prst="rect">
             <a:avLst/>
@@ -4582,13 +4582,25 @@
               <a:rPr lang="en-US" altLang="zh-TW" sz="1050" dirty="0" smtClean="0">
                 <a:latin typeface="Georgia" panose="02040502050405020303" pitchFamily="18" charset="0"/>
               </a:rPr>
-              <a:t>MOXA, Software Developer Intern</a:t>
+              <a:t>GUC, </a:t>
             </a:r>
             <a:r>
               <a:rPr lang="en-US" altLang="zh-TW" sz="1050" dirty="0" smtClean="0">
                 <a:latin typeface="Georgia" panose="02040502050405020303" pitchFamily="18" charset="0"/>
               </a:rPr>
-              <a:t>, Summer 2020</a:t>
+              <a:t>Software </a:t>
+            </a:r>
+            <a:r>
+              <a:rPr lang="en-US" altLang="zh-TW" sz="1050" dirty="0" smtClean="0">
+                <a:latin typeface="Georgia" panose="02040502050405020303" pitchFamily="18" charset="0"/>
+              </a:rPr>
+              <a:t>Designer </a:t>
+            </a:r>
+            <a:r>
+              <a:rPr lang="en-US" altLang="zh-TW" sz="1050" dirty="0" smtClean="0">
+                <a:latin typeface="Georgia" panose="02040502050405020303" pitchFamily="18" charset="0"/>
+              </a:rPr>
+              <a:t>Intern, Summer 2020</a:t>
             </a:r>
           </a:p>
           <a:p>
